--- a/Recursos Adicionais/EzPower™ - Apresentação do Produto.pptx
+++ b/Recursos Adicionais/EzPower™ - Apresentação do Produto.pptx
@@ -14151,14 +14151,49 @@
           <a:lstStyle/>
           <a:p>
             <a:r>
-              <a:rPr lang="pt-PT"/>
+              <a:rPr lang="pt-PT" dirty="0" err="1"/>
               <a:t>EzPower</a:t>
             </a:r>
             <a:r>
-              <a:rPr lang="pt-PT">
+              <a:rPr lang="pt-PT" dirty="0">
                 <a:effectLst/>
               </a:rPr>
-              <a:t>™ by Flexible Energies</a:t>
+              <a:t>™ </a:t>
+            </a:r>
+            <a:br>
+              <a:rPr lang="pt-PT" dirty="0">
+                <a:effectLst/>
+              </a:rPr>
+            </a:br>
+            <a:r>
+              <a:rPr lang="pt-PT" dirty="0" err="1">
+                <a:effectLst/>
+              </a:rPr>
+              <a:t>by</a:t>
+            </a:r>
+            <a:r>
+              <a:rPr lang="pt-PT" dirty="0">
+                <a:effectLst/>
+              </a:rPr>
+              <a:t> </a:t>
+            </a:r>
+            <a:r>
+              <a:rPr lang="pt-PT" dirty="0" err="1">
+                <a:effectLst/>
+              </a:rPr>
+              <a:t>Flexible</a:t>
+            </a:r>
+            <a:r>
+              <a:rPr lang="pt-PT" dirty="0">
+                <a:effectLst/>
+              </a:rPr>
+              <a:t> </a:t>
+            </a:r>
+            <a:r>
+              <a:rPr lang="pt-PT" dirty="0" err="1">
+                <a:effectLst/>
+              </a:rPr>
+              <a:t>Energies</a:t>
             </a:r>
             <a:endParaRPr lang="pt-PT" dirty="0"/>
           </a:p>
@@ -14478,13 +14513,13 @@
   <p:clrMapOvr>
     <a:masterClrMapping/>
   </p:clrMapOvr>
-  <mc:AlternateContent xmlns:mc="http://schemas.openxmlformats.org/markup-compatibility/2006">
-    <mc:Choice xmlns:p14="http://schemas.microsoft.com/office/powerpoint/2010/main" Requires="p14">
+  <mc:AlternateContent xmlns:mc="http://schemas.openxmlformats.org/markup-compatibility/2006" xmlns:p14="http://schemas.microsoft.com/office/powerpoint/2010/main">
+    <mc:Choice Requires="p14">
       <p:transition spd="med" p14:dur="700">
         <p:fade/>
       </p:transition>
     </mc:Choice>
-    <mc:Fallback>
+    <mc:Fallback xmlns="">
       <p:transition spd="med">
         <p:fade/>
       </p:transition>
@@ -14849,7 +14884,7 @@
             </a:r>
             <a:r>
               <a:rPr lang="en-US" dirty="0" err="1"/>
-              <a:t>enrolar</a:t>
+              <a:t>Enrolar</a:t>
             </a:r>
             <a:endParaRPr lang="en-US" dirty="0"/>
           </a:p>
@@ -14920,13 +14955,13 @@
   <p:clrMapOvr>
     <a:masterClrMapping/>
   </p:clrMapOvr>
-  <mc:AlternateContent xmlns:mc="http://schemas.openxmlformats.org/markup-compatibility/2006">
-    <mc:Choice xmlns:p14="http://schemas.microsoft.com/office/powerpoint/2010/main" Requires="p14">
+  <mc:AlternateContent xmlns:mc="http://schemas.openxmlformats.org/markup-compatibility/2006" xmlns:p14="http://schemas.microsoft.com/office/powerpoint/2010/main">
+    <mc:Choice Requires="p14">
       <p:transition spd="med" p14:dur="700">
         <p:fade/>
       </p:transition>
     </mc:Choice>
-    <mc:Fallback>
+    <mc:Fallback xmlns="">
       <p:transition spd="med">
         <p:fade/>
       </p:transition>
@@ -15282,13 +15317,13 @@
   <p:clrMapOvr>
     <a:masterClrMapping/>
   </p:clrMapOvr>
-  <mc:AlternateContent xmlns:mc="http://schemas.openxmlformats.org/markup-compatibility/2006">
-    <mc:Choice xmlns:p14="http://schemas.microsoft.com/office/powerpoint/2010/main" Requires="p14">
+  <mc:AlternateContent xmlns:mc="http://schemas.openxmlformats.org/markup-compatibility/2006" xmlns:p14="http://schemas.microsoft.com/office/powerpoint/2010/main">
+    <mc:Choice Requires="p14">
       <p:transition spd="med" p14:dur="700">
         <p:fade/>
       </p:transition>
     </mc:Choice>
-    <mc:Fallback>
+    <mc:Fallback xmlns="">
       <p:transition spd="med">
         <p:fade/>
       </p:transition>
@@ -15644,13 +15679,13 @@
   <p:clrMapOvr>
     <a:masterClrMapping/>
   </p:clrMapOvr>
-  <mc:AlternateContent xmlns:mc="http://schemas.openxmlformats.org/markup-compatibility/2006">
-    <mc:Choice xmlns:p14="http://schemas.microsoft.com/office/powerpoint/2010/main" Requires="p14">
+  <mc:AlternateContent xmlns:mc="http://schemas.openxmlformats.org/markup-compatibility/2006" xmlns:p14="http://schemas.microsoft.com/office/powerpoint/2010/main">
+    <mc:Choice Requires="p14">
       <p:transition spd="med" p14:dur="700">
         <p:fade/>
       </p:transition>
     </mc:Choice>
-    <mc:Fallback>
+    <mc:Fallback xmlns="">
       <p:transition spd="med">
         <p:fade/>
       </p:transition>
@@ -16006,13 +16041,13 @@
   <p:clrMapOvr>
     <a:masterClrMapping/>
   </p:clrMapOvr>
-  <mc:AlternateContent xmlns:mc="http://schemas.openxmlformats.org/markup-compatibility/2006">
-    <mc:Choice xmlns:p14="http://schemas.microsoft.com/office/powerpoint/2010/main" Requires="p14">
+  <mc:AlternateContent xmlns:mc="http://schemas.openxmlformats.org/markup-compatibility/2006" xmlns:p14="http://schemas.microsoft.com/office/powerpoint/2010/main">
+    <mc:Choice Requires="p14">
       <p:transition spd="med" p14:dur="700">
         <p:fade/>
       </p:transition>
     </mc:Choice>
-    <mc:Fallback>
+    <mc:Fallback xmlns="">
       <p:transition spd="med">
         <p:fade/>
       </p:transition>
@@ -16535,7 +16570,7 @@
       </p:sp>
       <p:pic>
         <p:nvPicPr>
-          <p:cNvPr id="6" name="Graphic 5" descr="Wind Chime">
+          <p:cNvPr id="6" name="Graphic 5" descr="Presentation with checklist with solid fill">
             <a:extLst>
               <a:ext uri="{FF2B5EF4-FFF2-40B4-BE49-F238E27FC236}">
                 <a16:creationId xmlns:a16="http://schemas.microsoft.com/office/drawing/2014/main" id="{61214C14-7142-612C-150D-C6FF3798AED4}"/>
@@ -16550,17 +16585,13 @@
         <p:blipFill>
           <a:blip r:embed="rId2">
             <a:extLst>
-              <a:ext uri="{28A0092B-C50C-407E-A947-70E740481C1C}">
-                <a14:useLocalDpi xmlns:a14="http://schemas.microsoft.com/office/drawing/2010/main" val="0"/>
-              </a:ext>
               <a:ext uri="{96DAC541-7B7A-43D3-8B79-37D633B846F1}">
                 <asvg:svgBlip xmlns:asvg="http://schemas.microsoft.com/office/drawing/2016/SVG/main" r:embed="rId3"/>
               </a:ext>
             </a:extLst>
           </a:blip>
-          <a:stretch>
-            <a:fillRect/>
-          </a:stretch>
+          <a:srcRect/>
+          <a:stretch/>
         </p:blipFill>
         <p:spPr>
           <a:xfrm>
@@ -16582,13 +16613,13 @@
   <p:clrMapOvr>
     <a:masterClrMapping/>
   </p:clrMapOvr>
-  <mc:AlternateContent xmlns:mc="http://schemas.openxmlformats.org/markup-compatibility/2006">
-    <mc:Choice xmlns:p14="http://schemas.microsoft.com/office/powerpoint/2010/main" Requires="p14">
+  <mc:AlternateContent xmlns:mc="http://schemas.openxmlformats.org/markup-compatibility/2006" xmlns:p14="http://schemas.microsoft.com/office/powerpoint/2010/main">
+    <mc:Choice Requires="p14">
       <p:transition spd="med" p14:dur="700">
         <p:fade/>
       </p:transition>
     </mc:Choice>
-    <mc:Fallback>
+    <mc:Fallback xmlns="">
       <p:transition spd="med">
         <p:fade/>
       </p:transition>

--- a/Recursos Adicionais/EzPower™ - Apresentação do Produto.pptx
+++ b/Recursos Adicionais/EzPower™ - Apresentação do Produto.pptx
@@ -117,8 +117,204 @@
 </p:presentation>
 </file>
 
+<file path=ppt/revisionInfo.xml><?xml version="1.0" encoding="utf-8"?>
+<p1510:revInfo xmlns:a="http://schemas.openxmlformats.org/drawingml/2006/main" xmlns:r="http://schemas.openxmlformats.org/officeDocument/2006/relationships" xmlns:p1510="http://schemas.microsoft.com/office/powerpoint/2015/10/main">
+  <p1510:revLst>
+    <p1510:client id="{624EECC2-D3D4-4941-9A9B-C87A90E82B27}" v="6" dt="2025-04-23T19:29:15.119"/>
+  </p1510:revLst>
+</p1510:revInfo>
+</file>
+
+<file path=ppt/changesInfos/changesInfo1.xml><?xml version="1.0" encoding="utf-8"?>
+<pc:chgInfo xmlns:a="http://schemas.openxmlformats.org/drawingml/2006/main" xmlns:r="http://schemas.openxmlformats.org/officeDocument/2006/relationships" xmlns:ac="http://schemas.microsoft.com/office/drawing/2013/main/command" xmlns:pc="http://schemas.microsoft.com/office/powerpoint/2013/main/command">
+  <pc:docChgLst>
+    <pc:chgData name="Paulo António Tavares Abade" userId="c7e8cc63-a5fc-427a-a897-b95c08b7d266" providerId="ADAL" clId="{624EECC2-D3D4-4941-9A9B-C87A90E82B27}"/>
+    <pc:docChg chg="undo custSel modSld">
+      <pc:chgData name="Paulo António Tavares Abade" userId="c7e8cc63-a5fc-427a-a897-b95c08b7d266" providerId="ADAL" clId="{624EECC2-D3D4-4941-9A9B-C87A90E82B27}" dt="2025-04-23T19:29:45.874" v="21" actId="1076"/>
+      <pc:docMkLst>
+        <pc:docMk/>
+      </pc:docMkLst>
+      <pc:sldChg chg="addSp delSp modSp mod">
+        <pc:chgData name="Paulo António Tavares Abade" userId="c7e8cc63-a5fc-427a-a897-b95c08b7d266" providerId="ADAL" clId="{624EECC2-D3D4-4941-9A9B-C87A90E82B27}" dt="2025-04-23T19:29:45.874" v="21" actId="1076"/>
+        <pc:sldMkLst>
+          <pc:docMk/>
+          <pc:sldMk cId="1851118345" sldId="257"/>
+        </pc:sldMkLst>
+        <pc:picChg chg="add mod">
+          <ac:chgData name="Paulo António Tavares Abade" userId="c7e8cc63-a5fc-427a-a897-b95c08b7d266" providerId="ADAL" clId="{624EECC2-D3D4-4941-9A9B-C87A90E82B27}" dt="2025-04-23T19:29:45.874" v="21" actId="1076"/>
+          <ac:picMkLst>
+            <pc:docMk/>
+            <pc:sldMk cId="1851118345" sldId="257"/>
+            <ac:picMk id="4" creationId="{42713283-3C64-0064-95B4-961C2FBCE738}"/>
+          </ac:picMkLst>
+        </pc:picChg>
+        <pc:picChg chg="del">
+          <ac:chgData name="Paulo António Tavares Abade" userId="c7e8cc63-a5fc-427a-a897-b95c08b7d266" providerId="ADAL" clId="{624EECC2-D3D4-4941-9A9B-C87A90E82B27}" dt="2025-04-23T19:29:14.262" v="12" actId="478"/>
+          <ac:picMkLst>
+            <pc:docMk/>
+            <pc:sldMk cId="1851118345" sldId="257"/>
+            <ac:picMk id="1026" creationId="{577B5188-3052-8D55-7BCA-85EBF2232A2E}"/>
+          </ac:picMkLst>
+        </pc:picChg>
+      </pc:sldChg>
+      <pc:sldChg chg="addSp delSp modSp mod">
+        <pc:chgData name="Paulo António Tavares Abade" userId="c7e8cc63-a5fc-427a-a897-b95c08b7d266" providerId="ADAL" clId="{624EECC2-D3D4-4941-9A9B-C87A90E82B27}" dt="2025-04-23T18:52:16.203" v="11" actId="26606"/>
+        <pc:sldMkLst>
+          <pc:docMk/>
+          <pc:sldMk cId="4151479073" sldId="258"/>
+        </pc:sldMkLst>
+        <pc:spChg chg="mod">
+          <ac:chgData name="Paulo António Tavares Abade" userId="c7e8cc63-a5fc-427a-a897-b95c08b7d266" providerId="ADAL" clId="{624EECC2-D3D4-4941-9A9B-C87A90E82B27}" dt="2025-04-23T18:51:35.138" v="10" actId="26606"/>
+          <ac:spMkLst>
+            <pc:docMk/>
+            <pc:sldMk cId="4151479073" sldId="258"/>
+            <ac:spMk id="2" creationId="{10ACE698-10C7-72B2-639D-10E364E34F44}"/>
+          </ac:spMkLst>
+        </pc:spChg>
+        <pc:spChg chg="add del">
+          <ac:chgData name="Paulo António Tavares Abade" userId="c7e8cc63-a5fc-427a-a897-b95c08b7d266" providerId="ADAL" clId="{624EECC2-D3D4-4941-9A9B-C87A90E82B27}" dt="2025-04-23T18:51:13.386" v="8" actId="26606"/>
+          <ac:spMkLst>
+            <pc:docMk/>
+            <pc:sldMk cId="4151479073" sldId="258"/>
+            <ac:spMk id="15" creationId="{C868C70C-E5C4-CD47-888C-FCB3373B6D38}"/>
+          </ac:spMkLst>
+        </pc:spChg>
+        <pc:spChg chg="add del">
+          <ac:chgData name="Paulo António Tavares Abade" userId="c7e8cc63-a5fc-427a-a897-b95c08b7d266" providerId="ADAL" clId="{624EECC2-D3D4-4941-9A9B-C87A90E82B27}" dt="2025-04-23T18:51:13.386" v="8" actId="26606"/>
+          <ac:spMkLst>
+            <pc:docMk/>
+            <pc:sldMk cId="4151479073" sldId="258"/>
+            <ac:spMk id="16" creationId="{15A8DDA3-B4FC-D445-AA06-C92ABAE24BAB}"/>
+          </ac:spMkLst>
+        </pc:spChg>
+        <pc:spChg chg="add del">
+          <ac:chgData name="Paulo António Tavares Abade" userId="c7e8cc63-a5fc-427a-a897-b95c08b7d266" providerId="ADAL" clId="{624EECC2-D3D4-4941-9A9B-C87A90E82B27}" dt="2025-04-23T18:51:13.386" v="8" actId="26606"/>
+          <ac:spMkLst>
+            <pc:docMk/>
+            <pc:sldMk cId="4151479073" sldId="258"/>
+            <ac:spMk id="17" creationId="{9FD0692D-A304-5E4A-BCD9-C00690321FBC}"/>
+          </ac:spMkLst>
+        </pc:spChg>
+        <pc:spChg chg="add del">
+          <ac:chgData name="Paulo António Tavares Abade" userId="c7e8cc63-a5fc-427a-a897-b95c08b7d266" providerId="ADAL" clId="{624EECC2-D3D4-4941-9A9B-C87A90E82B27}" dt="2025-04-23T18:51:13.314" v="7" actId="26606"/>
+          <ac:spMkLst>
+            <pc:docMk/>
+            <pc:sldMk cId="4151479073" sldId="258"/>
+            <ac:spMk id="22" creationId="{C868C70C-E5C4-CD47-888C-FCB3373B6D38}"/>
+          </ac:spMkLst>
+        </pc:spChg>
+        <pc:spChg chg="add del">
+          <ac:chgData name="Paulo António Tavares Abade" userId="c7e8cc63-a5fc-427a-a897-b95c08b7d266" providerId="ADAL" clId="{624EECC2-D3D4-4941-9A9B-C87A90E82B27}" dt="2025-04-23T18:51:13.314" v="7" actId="26606"/>
+          <ac:spMkLst>
+            <pc:docMk/>
+            <pc:sldMk cId="4151479073" sldId="258"/>
+            <ac:spMk id="24" creationId="{15A8DDA3-B4FC-D445-AA06-C92ABAE24BAB}"/>
+          </ac:spMkLst>
+        </pc:spChg>
+        <pc:spChg chg="add del">
+          <ac:chgData name="Paulo António Tavares Abade" userId="c7e8cc63-a5fc-427a-a897-b95c08b7d266" providerId="ADAL" clId="{624EECC2-D3D4-4941-9A9B-C87A90E82B27}" dt="2025-04-23T18:51:13.314" v="7" actId="26606"/>
+          <ac:spMkLst>
+            <pc:docMk/>
+            <pc:sldMk cId="4151479073" sldId="258"/>
+            <ac:spMk id="26" creationId="{9FD0692D-A304-5E4A-BCD9-C00690321FBC}"/>
+          </ac:spMkLst>
+        </pc:spChg>
+        <pc:spChg chg="add del">
+          <ac:chgData name="Paulo António Tavares Abade" userId="c7e8cc63-a5fc-427a-a897-b95c08b7d266" providerId="ADAL" clId="{624EECC2-D3D4-4941-9A9B-C87A90E82B27}" dt="2025-04-23T18:51:35.138" v="10" actId="26606"/>
+          <ac:spMkLst>
+            <pc:docMk/>
+            <pc:sldMk cId="4151479073" sldId="258"/>
+            <ac:spMk id="28" creationId="{C868C70C-E5C4-CD47-888C-FCB3373B6D38}"/>
+          </ac:spMkLst>
+        </pc:spChg>
+        <pc:spChg chg="add del">
+          <ac:chgData name="Paulo António Tavares Abade" userId="c7e8cc63-a5fc-427a-a897-b95c08b7d266" providerId="ADAL" clId="{624EECC2-D3D4-4941-9A9B-C87A90E82B27}" dt="2025-04-23T18:51:35.138" v="10" actId="26606"/>
+          <ac:spMkLst>
+            <pc:docMk/>
+            <pc:sldMk cId="4151479073" sldId="258"/>
+            <ac:spMk id="29" creationId="{15A8DDA3-B4FC-D445-AA06-C92ABAE24BAB}"/>
+          </ac:spMkLst>
+        </pc:spChg>
+        <pc:spChg chg="add del">
+          <ac:chgData name="Paulo António Tavares Abade" userId="c7e8cc63-a5fc-427a-a897-b95c08b7d266" providerId="ADAL" clId="{624EECC2-D3D4-4941-9A9B-C87A90E82B27}" dt="2025-04-23T18:51:35.138" v="10" actId="26606"/>
+          <ac:spMkLst>
+            <pc:docMk/>
+            <pc:sldMk cId="4151479073" sldId="258"/>
+            <ac:spMk id="30" creationId="{9FD0692D-A304-5E4A-BCD9-C00690321FBC}"/>
+          </ac:spMkLst>
+        </pc:spChg>
+        <pc:spChg chg="add del">
+          <ac:chgData name="Paulo António Tavares Abade" userId="c7e8cc63-a5fc-427a-a897-b95c08b7d266" providerId="ADAL" clId="{624EECC2-D3D4-4941-9A9B-C87A90E82B27}" dt="2025-04-23T18:52:16.203" v="11" actId="26606"/>
+          <ac:spMkLst>
+            <pc:docMk/>
+            <pc:sldMk cId="4151479073" sldId="258"/>
+            <ac:spMk id="35" creationId="{23BB7E73-E730-42EA-AACE-D1E323EA547E}"/>
+          </ac:spMkLst>
+        </pc:spChg>
+        <pc:spChg chg="add del">
+          <ac:chgData name="Paulo António Tavares Abade" userId="c7e8cc63-a5fc-427a-a897-b95c08b7d266" providerId="ADAL" clId="{624EECC2-D3D4-4941-9A9B-C87A90E82B27}" dt="2025-04-23T18:52:16.203" v="11" actId="26606"/>
+          <ac:spMkLst>
+            <pc:docMk/>
+            <pc:sldMk cId="4151479073" sldId="258"/>
+            <ac:spMk id="37" creationId="{F1F6C2E9-B316-4410-88E5-74F044FC3575}"/>
+          </ac:spMkLst>
+        </pc:spChg>
+        <pc:spChg chg="add del">
+          <ac:chgData name="Paulo António Tavares Abade" userId="c7e8cc63-a5fc-427a-a897-b95c08b7d266" providerId="ADAL" clId="{624EECC2-D3D4-4941-9A9B-C87A90E82B27}" dt="2025-04-23T18:52:16.203" v="11" actId="26606"/>
+          <ac:spMkLst>
+            <pc:docMk/>
+            <pc:sldMk cId="4151479073" sldId="258"/>
+            <ac:spMk id="39" creationId="{83D07262-43A6-451F-9B19-77B943C6399D}"/>
+          </ac:spMkLst>
+        </pc:spChg>
+        <pc:spChg chg="add">
+          <ac:chgData name="Paulo António Tavares Abade" userId="c7e8cc63-a5fc-427a-a897-b95c08b7d266" providerId="ADAL" clId="{624EECC2-D3D4-4941-9A9B-C87A90E82B27}" dt="2025-04-23T18:52:16.203" v="11" actId="26606"/>
+          <ac:spMkLst>
+            <pc:docMk/>
+            <pc:sldMk cId="4151479073" sldId="258"/>
+            <ac:spMk id="44" creationId="{23BB7E73-E730-42EA-AACE-D1E323EA547E}"/>
+          </ac:spMkLst>
+        </pc:spChg>
+        <pc:spChg chg="add">
+          <ac:chgData name="Paulo António Tavares Abade" userId="c7e8cc63-a5fc-427a-a897-b95c08b7d266" providerId="ADAL" clId="{624EECC2-D3D4-4941-9A9B-C87A90E82B27}" dt="2025-04-23T18:52:16.203" v="11" actId="26606"/>
+          <ac:spMkLst>
+            <pc:docMk/>
+            <pc:sldMk cId="4151479073" sldId="258"/>
+            <ac:spMk id="46" creationId="{F1F6C2E9-B316-4410-88E5-74F044FC3575}"/>
+          </ac:spMkLst>
+        </pc:spChg>
+        <pc:spChg chg="add">
+          <ac:chgData name="Paulo António Tavares Abade" userId="c7e8cc63-a5fc-427a-a897-b95c08b7d266" providerId="ADAL" clId="{624EECC2-D3D4-4941-9A9B-C87A90E82B27}" dt="2025-04-23T18:52:16.203" v="11" actId="26606"/>
+          <ac:spMkLst>
+            <pc:docMk/>
+            <pc:sldMk cId="4151479073" sldId="258"/>
+            <ac:spMk id="48" creationId="{83D07262-43A6-451F-9B19-77B943C6399D}"/>
+          </ac:spMkLst>
+        </pc:spChg>
+        <pc:graphicFrameChg chg="mod ord modGraphic">
+          <ac:chgData name="Paulo António Tavares Abade" userId="c7e8cc63-a5fc-427a-a897-b95c08b7d266" providerId="ADAL" clId="{624EECC2-D3D4-4941-9A9B-C87A90E82B27}" dt="2025-04-23T18:52:16.203" v="11" actId="26606"/>
+          <ac:graphicFrameMkLst>
+            <pc:docMk/>
+            <pc:sldMk cId="4151479073" sldId="258"/>
+            <ac:graphicFrameMk id="5" creationId="{9BA31189-14B5-1B3D-454D-94397F3E5B72}"/>
+          </ac:graphicFrameMkLst>
+        </pc:graphicFrameChg>
+        <pc:picChg chg="add del mod">
+          <ac:chgData name="Paulo António Tavares Abade" userId="c7e8cc63-a5fc-427a-a897-b95c08b7d266" providerId="ADAL" clId="{624EECC2-D3D4-4941-9A9B-C87A90E82B27}" dt="2025-04-23T18:51:19.755" v="9" actId="478"/>
+          <ac:picMkLst>
+            <pc:docMk/>
+            <pc:sldMk cId="4151479073" sldId="258"/>
+            <ac:picMk id="3" creationId="{248C8A12-536E-212E-5AFF-83DAD300AA5F}"/>
+          </ac:picMkLst>
+        </pc:picChg>
+      </pc:sldChg>
+    </pc:docChg>
+  </pc:docChgLst>
+</pc:chgInfo>
+</file>
+
 <file path=ppt/diagrams/colors1.xml><?xml version="1.0" encoding="utf-8"?>
-<dgm:colorsDef xmlns:dgm="http://schemas.openxmlformats.org/drawingml/2006/diagram" xmlns:a="http://schemas.openxmlformats.org/drawingml/2006/main" uniqueId="urn:microsoft.com/office/officeart/2005/8/colors/colorful2">
+<dgm:colorsDef xmlns:dgm="http://schemas.openxmlformats.org/drawingml/2006/diagram" xmlns:a="http://schemas.openxmlformats.org/drawingml/2006/main" uniqueId="urn:microsoft.com/office/officeart/2018/5/colors/Iconchunking_coloredtext_colorful2">
   <dgm:title val=""/>
   <dgm:desc val=""/>
   <dgm:catLst>
@@ -137,16 +333,19 @@
     <dgm:txEffectClrLst/>
   </dgm:styleLbl>
   <dgm:styleLbl name="node1">
-    <dgm:fillClrLst>
-      <a:schemeClr val="accent2"/>
-      <a:schemeClr val="accent3"/>
+    <dgm:fillClrLst meth="repeat">
+      <a:schemeClr val="bg1"/>
     </dgm:fillClrLst>
     <dgm:linClrLst meth="repeat">
-      <a:schemeClr val="lt1"/>
+      <a:schemeClr val="lt1">
+        <a:alpha val="0"/>
+      </a:schemeClr>
     </dgm:linClrLst>
     <dgm:effectClrLst/>
     <dgm:txLinClrLst/>
-    <dgm:txFillClrLst/>
+    <dgm:txFillClrLst meth="repeat">
+      <a:schemeClr val="dk1"/>
+    </dgm:txFillClrLst>
     <dgm:txEffectClrLst/>
   </dgm:styleLbl>
   <dgm:styleLbl name="alignNode1">
@@ -590,11 +789,12 @@
   <dgm:styleLbl name="trAlignAcc1">
     <dgm:fillClrLst meth="repeat">
       <a:schemeClr val="lt1">
-        <a:alpha val="40000"/>
+        <a:alpha val="0"/>
       </a:schemeClr>
     </dgm:fillClrLst>
-    <dgm:linClrLst meth="repeat">
+    <dgm:linClrLst>
       <a:schemeClr val="accent2"/>
+      <a:schemeClr val="accent3"/>
     </dgm:linClrLst>
     <dgm:effectClrLst/>
     <dgm:txLinClrLst/>
@@ -814,19 +1014,18 @@
     <dgm:txEffectClrLst/>
   </dgm:styleLbl>
   <dgm:styleLbl name="bgShp">
-    <dgm:fillClrLst meth="repeat">
-      <a:schemeClr val="accent2">
-        <a:tint val="40000"/>
-      </a:schemeClr>
+    <dgm:fillClrLst>
+      <a:schemeClr val="accent2"/>
+      <a:schemeClr val="accent3"/>
     </dgm:fillClrLst>
     <dgm:linClrLst meth="repeat">
-      <a:schemeClr val="dk1"/>
+      <a:schemeClr val="lt1">
+        <a:alpha val="0"/>
+      </a:schemeClr>
     </dgm:linClrLst>
     <dgm:effectClrLst/>
     <dgm:txLinClrLst/>
-    <dgm:txFillClrLst meth="repeat">
-      <a:schemeClr val="dk1"/>
-    </dgm:txFillClrLst>
+    <dgm:txFillClrLst/>
     <dgm:txEffectClrLst/>
   </dgm:styleLbl>
   <dgm:styleLbl name="dkBgShp">
@@ -880,19 +1079,20 @@
   </dgm:styleLbl>
   <dgm:styleLbl name="revTx">
     <dgm:fillClrLst meth="repeat">
-      <a:schemeClr val="lt1">
+      <a:schemeClr val="accent2">
         <a:alpha val="0"/>
       </a:schemeClr>
     </dgm:fillClrLst>
     <dgm:linClrLst meth="repeat">
-      <a:schemeClr val="dk1">
+      <a:schemeClr val="accent2">
         <a:alpha val="0"/>
       </a:schemeClr>
     </dgm:linClrLst>
     <dgm:effectClrLst/>
     <dgm:txLinClrLst/>
-    <dgm:txFillClrLst meth="repeat">
-      <a:schemeClr val="tx1"/>
+    <dgm:txFillClrLst>
+      <a:schemeClr val="accent2"/>
+      <a:schemeClr val="accent3"/>
     </dgm:txFillClrLst>
     <dgm:txEffectClrLst/>
   </dgm:styleLbl>
@@ -2467,7 +2667,7 @@
 <dgm:dataModel xmlns:dgm="http://schemas.openxmlformats.org/drawingml/2006/diagram" xmlns:a="http://schemas.openxmlformats.org/drawingml/2006/main">
   <dgm:ptLst>
     <dgm:pt modelId="{AF97B601-0C4C-409E-8CFF-5318135F51B0}" type="doc">
-      <dgm:prSet loTypeId="urn:microsoft.com/office/officeart/2008/layout/LinedList" loCatId="list" qsTypeId="urn:microsoft.com/office/officeart/2005/8/quickstyle/simple4" qsCatId="simple" csTypeId="urn:microsoft.com/office/officeart/2005/8/colors/colorful2" csCatId="colorful" phldr="1"/>
+      <dgm:prSet loTypeId="urn:microsoft.com/office/officeart/2018/5/layout/IconCircleLabelList" loCatId="icon" qsTypeId="urn:microsoft.com/office/officeart/2005/8/quickstyle/simple1" qsCatId="simple" csTypeId="urn:microsoft.com/office/officeart/2018/5/colors/Iconchunking_coloredtext_colorful2" csCatId="colorful" phldr="1"/>
       <dgm:spPr/>
       <dgm:t>
         <a:bodyPr/>
@@ -2484,11 +2684,14 @@
         <a:bodyPr/>
         <a:lstStyle/>
         <a:p>
+          <a:pPr>
+            <a:defRPr cap="all"/>
+          </a:pPr>
           <a:r>
-            <a:rPr lang="pt-PT" dirty="0"/>
+            <a:rPr lang="pt-PT"/>
             <a:t>Comprimentos diferentes</a:t>
           </a:r>
-          <a:endParaRPr lang="en-US" dirty="0"/>
+          <a:endParaRPr lang="en-US"/>
         </a:p>
       </dgm:t>
     </dgm:pt>
@@ -2521,6 +2724,9 @@
         <a:bodyPr/>
         <a:lstStyle/>
         <a:p>
+          <a:pPr>
+            <a:defRPr cap="all"/>
+          </a:pPr>
           <a:r>
             <a:rPr lang="pt-PT"/>
             <a:t>Controlo manual ou através de Aplicação Movel</a:t>
@@ -2558,6 +2764,9 @@
         <a:bodyPr/>
         <a:lstStyle/>
         <a:p>
+          <a:pPr>
+            <a:defRPr cap="all"/>
+          </a:pPr>
           <a:r>
             <a:rPr lang="pt-PT"/>
             <a:t>Monitorização de Consumos</a:t>
@@ -2595,6 +2804,9 @@
         <a:bodyPr/>
         <a:lstStyle/>
         <a:p>
+          <a:pPr>
+            <a:defRPr cap="all"/>
+          </a:pPr>
           <a:r>
             <a:rPr lang="pt-PT"/>
             <a:t>Integração com Assistentes Virtuais</a:t>
@@ -2625,107 +2837,257 @@
         </a:p>
       </dgm:t>
     </dgm:pt>
-    <dgm:pt modelId="{0384296E-43E7-45EB-9683-6F5309E4A61A}" type="pres">
-      <dgm:prSet presAssocID="{AF97B601-0C4C-409E-8CFF-5318135F51B0}" presName="vert0" presStyleCnt="0">
+    <dgm:pt modelId="{B21C1AA9-6C68-4BE8-BB7D-585F9A6FC055}" type="pres">
+      <dgm:prSet presAssocID="{AF97B601-0C4C-409E-8CFF-5318135F51B0}" presName="root" presStyleCnt="0">
         <dgm:presLayoutVars>
           <dgm:dir/>
-          <dgm:animOne val="branch"/>
-          <dgm:animLvl val="lvl"/>
+          <dgm:resizeHandles val="exact"/>
         </dgm:presLayoutVars>
       </dgm:prSet>
       <dgm:spPr/>
     </dgm:pt>
-    <dgm:pt modelId="{288644E1-F596-47F3-BA9F-CB5BDA70A81A}" type="pres">
-      <dgm:prSet presAssocID="{EE853204-B039-4FD7-8E11-9E0BE3ECC169}" presName="thickLine" presStyleLbl="alignNode1" presStyleIdx="0" presStyleCnt="4"/>
+    <dgm:pt modelId="{45081CF7-CD37-485C-96E2-6BD0E00709DB}" type="pres">
+      <dgm:prSet presAssocID="{EE853204-B039-4FD7-8E11-9E0BE3ECC169}" presName="compNode" presStyleCnt="0"/>
       <dgm:spPr/>
     </dgm:pt>
-    <dgm:pt modelId="{794EE293-08A8-4CCE-BD89-6D6CA41A8677}" type="pres">
-      <dgm:prSet presAssocID="{EE853204-B039-4FD7-8E11-9E0BE3ECC169}" presName="horz1" presStyleCnt="0"/>
+    <dgm:pt modelId="{8E9EF567-E713-4340-9FEA-2B1480B24BD7}" type="pres">
+      <dgm:prSet presAssocID="{EE853204-B039-4FD7-8E11-9E0BE3ECC169}" presName="iconBgRect" presStyleLbl="bgShp" presStyleIdx="0" presStyleCnt="4"/>
       <dgm:spPr/>
     </dgm:pt>
-    <dgm:pt modelId="{56A8B857-F8F4-40CC-B8AF-A30BD5928881}" type="pres">
-      <dgm:prSet presAssocID="{EE853204-B039-4FD7-8E11-9E0BE3ECC169}" presName="tx1" presStyleLbl="revTx" presStyleIdx="0" presStyleCnt="4"/>
+    <dgm:pt modelId="{193CFF74-44A8-4092-8027-5A6E03DDD489}" type="pres">
+      <dgm:prSet presAssocID="{EE853204-B039-4FD7-8E11-9E0BE3ECC169}" presName="iconRect" presStyleLbl="node1" presStyleIdx="0" presStyleCnt="4"/>
+      <dgm:spPr>
+        <a:blipFill>
+          <a:blip xmlns:r="http://schemas.openxmlformats.org/officeDocument/2006/relationships" r:embed="rId1">
+            <a:extLst>
+              <a:ext uri="{28A0092B-C50C-407E-A947-70E740481C1C}">
+                <a14:useLocalDpi xmlns:a14="http://schemas.microsoft.com/office/drawing/2010/main" val="0"/>
+              </a:ext>
+              <a:ext uri="{96DAC541-7B7A-43D3-8B79-37D633B846F1}">
+                <asvg:svgBlip xmlns:asvg="http://schemas.microsoft.com/office/drawing/2016/SVG/main" r:embed="rId2"/>
+              </a:ext>
+            </a:extLst>
+          </a:blip>
+          <a:stretch>
+            <a:fillRect/>
+          </a:stretch>
+        </a:blipFill>
+        <a:ln>
+          <a:noFill/>
+        </a:ln>
+      </dgm:spPr>
+      <dgm:extLst>
+        <a:ext uri="{E40237B7-FDA0-4F09-8148-C483321AD2D9}">
+          <dgm14:cNvPr xmlns:dgm14="http://schemas.microsoft.com/office/drawing/2010/diagram" id="0" name="" descr="Documento"/>
+        </a:ext>
+      </dgm:extLst>
+    </dgm:pt>
+    <dgm:pt modelId="{249E0A03-847E-4DF3-AC45-6EBB768EA05C}" type="pres">
+      <dgm:prSet presAssocID="{EE853204-B039-4FD7-8E11-9E0BE3ECC169}" presName="spaceRect" presStyleCnt="0"/>
       <dgm:spPr/>
     </dgm:pt>
-    <dgm:pt modelId="{9C371FD3-7C52-4975-A17C-0837B9798109}" type="pres">
-      <dgm:prSet presAssocID="{EE853204-B039-4FD7-8E11-9E0BE3ECC169}" presName="vert1" presStyleCnt="0"/>
+    <dgm:pt modelId="{153A4CF8-27CA-4F9F-9713-88D24FCD7D09}" type="pres">
+      <dgm:prSet presAssocID="{EE853204-B039-4FD7-8E11-9E0BE3ECC169}" presName="textRect" presStyleLbl="revTx" presStyleIdx="0" presStyleCnt="4">
+        <dgm:presLayoutVars>
+          <dgm:chMax val="1"/>
+          <dgm:chPref val="1"/>
+        </dgm:presLayoutVars>
+      </dgm:prSet>
       <dgm:spPr/>
     </dgm:pt>
-    <dgm:pt modelId="{F9323F6E-3824-4247-93E9-67639B7B86D8}" type="pres">
-      <dgm:prSet presAssocID="{238B1191-D5A5-4E71-A5B0-8C30F770BD0E}" presName="thickLine" presStyleLbl="alignNode1" presStyleIdx="1" presStyleCnt="4"/>
+    <dgm:pt modelId="{0F180B62-50B3-435A-A0D3-9C9CE1B168E4}" type="pres">
+      <dgm:prSet presAssocID="{7754C90C-DF2F-44C9-8F8D-4AA67EA01C12}" presName="sibTrans" presStyleCnt="0"/>
       <dgm:spPr/>
     </dgm:pt>
-    <dgm:pt modelId="{BADF11C9-D0C3-4E0A-AB59-845A3591554A}" type="pres">
-      <dgm:prSet presAssocID="{238B1191-D5A5-4E71-A5B0-8C30F770BD0E}" presName="horz1" presStyleCnt="0"/>
+    <dgm:pt modelId="{1EBF2798-A623-4622-BE19-CFC6DA4413FE}" type="pres">
+      <dgm:prSet presAssocID="{238B1191-D5A5-4E71-A5B0-8C30F770BD0E}" presName="compNode" presStyleCnt="0"/>
       <dgm:spPr/>
     </dgm:pt>
-    <dgm:pt modelId="{7033BD00-8DC3-49B5-A789-B3A2A390654B}" type="pres">
-      <dgm:prSet presAssocID="{238B1191-D5A5-4E71-A5B0-8C30F770BD0E}" presName="tx1" presStyleLbl="revTx" presStyleIdx="1" presStyleCnt="4"/>
+    <dgm:pt modelId="{5F098F9E-7987-4B95-9262-3DD5831DC82F}" type="pres">
+      <dgm:prSet presAssocID="{238B1191-D5A5-4E71-A5B0-8C30F770BD0E}" presName="iconBgRect" presStyleLbl="bgShp" presStyleIdx="1" presStyleCnt="4"/>
       <dgm:spPr/>
     </dgm:pt>
-    <dgm:pt modelId="{90BBDD0B-6081-4B5F-94D5-6E4AE31B1B91}" type="pres">
-      <dgm:prSet presAssocID="{238B1191-D5A5-4E71-A5B0-8C30F770BD0E}" presName="vert1" presStyleCnt="0"/>
+    <dgm:pt modelId="{DD1716DC-9867-4C9F-B92F-616AD8E656AE}" type="pres">
+      <dgm:prSet presAssocID="{238B1191-D5A5-4E71-A5B0-8C30F770BD0E}" presName="iconRect" presStyleLbl="node1" presStyleIdx="1" presStyleCnt="4"/>
+      <dgm:spPr>
+        <a:blipFill>
+          <a:blip xmlns:r="http://schemas.openxmlformats.org/officeDocument/2006/relationships" r:embed="rId3">
+            <a:extLst>
+              <a:ext uri="{28A0092B-C50C-407E-A947-70E740481C1C}">
+                <a14:useLocalDpi xmlns:a14="http://schemas.microsoft.com/office/drawing/2010/main" val="0"/>
+              </a:ext>
+              <a:ext uri="{96DAC541-7B7A-43D3-8B79-37D633B846F1}">
+                <asvg:svgBlip xmlns:asvg="http://schemas.microsoft.com/office/drawing/2016/SVG/main" r:embed="rId4"/>
+              </a:ext>
+            </a:extLst>
+          </a:blip>
+          <a:stretch>
+            <a:fillRect/>
+          </a:stretch>
+        </a:blipFill>
+        <a:ln>
+          <a:noFill/>
+        </a:ln>
+      </dgm:spPr>
+      <dgm:extLst>
+        <a:ext uri="{E40237B7-FDA0-4F09-8148-C483321AD2D9}">
+          <dgm14:cNvPr xmlns:dgm14="http://schemas.microsoft.com/office/drawing/2010/diagram" id="0" name="" descr="Smart Phone"/>
+        </a:ext>
+      </dgm:extLst>
+    </dgm:pt>
+    <dgm:pt modelId="{5C0A8201-57ED-45E5-8850-5AC58CE6FF5C}" type="pres">
+      <dgm:prSet presAssocID="{238B1191-D5A5-4E71-A5B0-8C30F770BD0E}" presName="spaceRect" presStyleCnt="0"/>
       <dgm:spPr/>
     </dgm:pt>
-    <dgm:pt modelId="{9396D439-B351-4405-84E9-842AEC4AE6CC}" type="pres">
-      <dgm:prSet presAssocID="{F8B95E9D-1194-4FB2-9303-2B15A69390D2}" presName="thickLine" presStyleLbl="alignNode1" presStyleIdx="2" presStyleCnt="4"/>
+    <dgm:pt modelId="{F0770647-65A7-4CFC-821F-6137A22B5FB8}" type="pres">
+      <dgm:prSet presAssocID="{238B1191-D5A5-4E71-A5B0-8C30F770BD0E}" presName="textRect" presStyleLbl="revTx" presStyleIdx="1" presStyleCnt="4">
+        <dgm:presLayoutVars>
+          <dgm:chMax val="1"/>
+          <dgm:chPref val="1"/>
+        </dgm:presLayoutVars>
+      </dgm:prSet>
       <dgm:spPr/>
     </dgm:pt>
-    <dgm:pt modelId="{D1DFB357-6C73-4C9F-BDEF-4757DF64F885}" type="pres">
-      <dgm:prSet presAssocID="{F8B95E9D-1194-4FB2-9303-2B15A69390D2}" presName="horz1" presStyleCnt="0"/>
+    <dgm:pt modelId="{724A8E8C-322A-4279-B0FA-4A3AB5433372}" type="pres">
+      <dgm:prSet presAssocID="{0A752D5B-5F40-4320-BA11-7DF5B52D66AB}" presName="sibTrans" presStyleCnt="0"/>
       <dgm:spPr/>
     </dgm:pt>
-    <dgm:pt modelId="{0EFF0AC4-F1E4-4C3E-9C93-6602FB2D634B}" type="pres">
-      <dgm:prSet presAssocID="{F8B95E9D-1194-4FB2-9303-2B15A69390D2}" presName="tx1" presStyleLbl="revTx" presStyleIdx="2" presStyleCnt="4"/>
+    <dgm:pt modelId="{61220FE8-B4F9-498D-8FB0-2350427860CD}" type="pres">
+      <dgm:prSet presAssocID="{F8B95E9D-1194-4FB2-9303-2B15A69390D2}" presName="compNode" presStyleCnt="0"/>
       <dgm:spPr/>
     </dgm:pt>
-    <dgm:pt modelId="{679C782F-959E-4667-9861-84DDE0E73AD1}" type="pres">
-      <dgm:prSet presAssocID="{F8B95E9D-1194-4FB2-9303-2B15A69390D2}" presName="vert1" presStyleCnt="0"/>
+    <dgm:pt modelId="{F89E2B54-5D28-4A33-90D1-896DA2702A15}" type="pres">
+      <dgm:prSet presAssocID="{F8B95E9D-1194-4FB2-9303-2B15A69390D2}" presName="iconBgRect" presStyleLbl="bgShp" presStyleIdx="2" presStyleCnt="4"/>
       <dgm:spPr/>
     </dgm:pt>
-    <dgm:pt modelId="{6B869CA1-D476-47BF-81AC-B1606A006E1C}" type="pres">
-      <dgm:prSet presAssocID="{E41A40AE-A922-4690-98FC-AFCFF270198F}" presName="thickLine" presStyleLbl="alignNode1" presStyleIdx="3" presStyleCnt="4"/>
+    <dgm:pt modelId="{6AF61039-0A06-4920-A656-1FDDC11DDA95}" type="pres">
+      <dgm:prSet presAssocID="{F8B95E9D-1194-4FB2-9303-2B15A69390D2}" presName="iconRect" presStyleLbl="node1" presStyleIdx="2" presStyleCnt="4"/>
+      <dgm:spPr>
+        <a:blipFill>
+          <a:blip xmlns:r="http://schemas.openxmlformats.org/officeDocument/2006/relationships" r:embed="rId5">
+            <a:extLst>
+              <a:ext uri="{28A0092B-C50C-407E-A947-70E740481C1C}">
+                <a14:useLocalDpi xmlns:a14="http://schemas.microsoft.com/office/drawing/2010/main" val="0"/>
+              </a:ext>
+              <a:ext uri="{96DAC541-7B7A-43D3-8B79-37D633B846F1}">
+                <asvg:svgBlip xmlns:asvg="http://schemas.microsoft.com/office/drawing/2016/SVG/main" r:embed="rId6"/>
+              </a:ext>
+            </a:extLst>
+          </a:blip>
+          <a:stretch>
+            <a:fillRect/>
+          </a:stretch>
+        </a:blipFill>
+        <a:ln>
+          <a:noFill/>
+        </a:ln>
+      </dgm:spPr>
+      <dgm:extLst>
+        <a:ext uri="{E40237B7-FDA0-4F09-8148-C483321AD2D9}">
+          <dgm14:cNvPr xmlns:dgm14="http://schemas.microsoft.com/office/drawing/2010/diagram" id="0" name="" descr="Marca de Verificação"/>
+        </a:ext>
+      </dgm:extLst>
+    </dgm:pt>
+    <dgm:pt modelId="{EA801079-CE76-4EC2-BE74-569B083F8BAE}" type="pres">
+      <dgm:prSet presAssocID="{F8B95E9D-1194-4FB2-9303-2B15A69390D2}" presName="spaceRect" presStyleCnt="0"/>
       <dgm:spPr/>
     </dgm:pt>
-    <dgm:pt modelId="{CB71475D-D010-4E68-8361-DD9DFA104FFE}" type="pres">
-      <dgm:prSet presAssocID="{E41A40AE-A922-4690-98FC-AFCFF270198F}" presName="horz1" presStyleCnt="0"/>
+    <dgm:pt modelId="{9C86C7BE-6A59-45BE-823C-B046D393D938}" type="pres">
+      <dgm:prSet presAssocID="{F8B95E9D-1194-4FB2-9303-2B15A69390D2}" presName="textRect" presStyleLbl="revTx" presStyleIdx="2" presStyleCnt="4">
+        <dgm:presLayoutVars>
+          <dgm:chMax val="1"/>
+          <dgm:chPref val="1"/>
+        </dgm:presLayoutVars>
+      </dgm:prSet>
       <dgm:spPr/>
     </dgm:pt>
-    <dgm:pt modelId="{B48FD3BE-241E-448A-B380-508F916EB952}" type="pres">
-      <dgm:prSet presAssocID="{E41A40AE-A922-4690-98FC-AFCFF270198F}" presName="tx1" presStyleLbl="revTx" presStyleIdx="3" presStyleCnt="4"/>
+    <dgm:pt modelId="{6CEC9F8F-F60B-4D26-A124-D7EB2D75500C}" type="pres">
+      <dgm:prSet presAssocID="{AAEA76EF-1CA1-4DB9-A273-8C5956A820D2}" presName="sibTrans" presStyleCnt="0"/>
       <dgm:spPr/>
     </dgm:pt>
-    <dgm:pt modelId="{9F167CD3-D8AD-4648-B51F-82A628369F8E}" type="pres">
-      <dgm:prSet presAssocID="{E41A40AE-A922-4690-98FC-AFCFF270198F}" presName="vert1" presStyleCnt="0"/>
+    <dgm:pt modelId="{6AA064AC-BB95-45AA-BF16-2713C6755FDC}" type="pres">
+      <dgm:prSet presAssocID="{E41A40AE-A922-4690-98FC-AFCFF270198F}" presName="compNode" presStyleCnt="0"/>
+      <dgm:spPr/>
+    </dgm:pt>
+    <dgm:pt modelId="{565E2CAD-505B-42DD-8E4C-CF5FFC8A449D}" type="pres">
+      <dgm:prSet presAssocID="{E41A40AE-A922-4690-98FC-AFCFF270198F}" presName="iconBgRect" presStyleLbl="bgShp" presStyleIdx="3" presStyleCnt="4"/>
+      <dgm:spPr/>
+    </dgm:pt>
+    <dgm:pt modelId="{159C088B-ED5F-4102-B937-681AD194C5BA}" type="pres">
+      <dgm:prSet presAssocID="{E41A40AE-A922-4690-98FC-AFCFF270198F}" presName="iconRect" presStyleLbl="node1" presStyleIdx="3" presStyleCnt="4"/>
+      <dgm:spPr>
+        <a:blipFill>
+          <a:blip xmlns:r="http://schemas.openxmlformats.org/officeDocument/2006/relationships" r:embed="rId7">
+            <a:extLst>
+              <a:ext uri="{28A0092B-C50C-407E-A947-70E740481C1C}">
+                <a14:useLocalDpi xmlns:a14="http://schemas.microsoft.com/office/drawing/2010/main" val="0"/>
+              </a:ext>
+              <a:ext uri="{96DAC541-7B7A-43D3-8B79-37D633B846F1}">
+                <asvg:svgBlip xmlns:asvg="http://schemas.microsoft.com/office/drawing/2016/SVG/main" r:embed="rId8"/>
+              </a:ext>
+            </a:extLst>
+          </a:blip>
+          <a:stretch>
+            <a:fillRect/>
+          </a:stretch>
+        </a:blipFill>
+        <a:ln>
+          <a:noFill/>
+        </a:ln>
+      </dgm:spPr>
+      <dgm:extLst>
+        <a:ext uri="{E40237B7-FDA0-4F09-8148-C483321AD2D9}">
+          <dgm14:cNvPr xmlns:dgm14="http://schemas.microsoft.com/office/drawing/2010/diagram" id="0" name="" descr="Utilizador"/>
+        </a:ext>
+      </dgm:extLst>
+    </dgm:pt>
+    <dgm:pt modelId="{E0D8FE49-C66B-45E0-858F-5DEA6A9378A5}" type="pres">
+      <dgm:prSet presAssocID="{E41A40AE-A922-4690-98FC-AFCFF270198F}" presName="spaceRect" presStyleCnt="0"/>
+      <dgm:spPr/>
+    </dgm:pt>
+    <dgm:pt modelId="{9FE3BF94-90AF-40EE-B800-0990B17DA498}" type="pres">
+      <dgm:prSet presAssocID="{E41A40AE-A922-4690-98FC-AFCFF270198F}" presName="textRect" presStyleLbl="revTx" presStyleIdx="3" presStyleCnt="4">
+        <dgm:presLayoutVars>
+          <dgm:chMax val="1"/>
+          <dgm:chPref val="1"/>
+        </dgm:presLayoutVars>
+      </dgm:prSet>
       <dgm:spPr/>
     </dgm:pt>
   </dgm:ptLst>
   <dgm:cxnLst>
-    <dgm:cxn modelId="{24AE2A0D-6F6A-449E-859C-97C2E9BA1540}" type="presOf" srcId="{EE853204-B039-4FD7-8E11-9E0BE3ECC169}" destId="{56A8B857-F8F4-40CC-B8AF-A30BD5928881}" srcOrd="0" destOrd="0" presId="urn:microsoft.com/office/officeart/2008/layout/LinedList"/>
-    <dgm:cxn modelId="{363AF23B-EC61-41FF-A220-E4675567E26B}" type="presOf" srcId="{AF97B601-0C4C-409E-8CFF-5318135F51B0}" destId="{0384296E-43E7-45EB-9683-6F5309E4A61A}" srcOrd="0" destOrd="0" presId="urn:microsoft.com/office/officeart/2008/layout/LinedList"/>
+    <dgm:cxn modelId="{97205001-B7E1-4182-A009-D0F3077760D0}" type="presOf" srcId="{F8B95E9D-1194-4FB2-9303-2B15A69390D2}" destId="{9C86C7BE-6A59-45BE-823C-B046D393D938}" srcOrd="0" destOrd="0" presId="urn:microsoft.com/office/officeart/2018/5/layout/IconCircleLabelList"/>
+    <dgm:cxn modelId="{43FECE01-7C4A-4A9B-8958-D55D83BA8C06}" type="presOf" srcId="{EE853204-B039-4FD7-8E11-9E0BE3ECC169}" destId="{153A4CF8-27CA-4F9F-9713-88D24FCD7D09}" srcOrd="0" destOrd="0" presId="urn:microsoft.com/office/officeart/2018/5/layout/IconCircleLabelList"/>
     <dgm:cxn modelId="{2F252D49-55B5-4985-8EE0-76BD07ED53EF}" srcId="{AF97B601-0C4C-409E-8CFF-5318135F51B0}" destId="{238B1191-D5A5-4E71-A5B0-8C30F770BD0E}" srcOrd="1" destOrd="0" parTransId="{79B3A1DE-9588-475B-A07F-BD65C1D4A9CA}" sibTransId="{0A752D5B-5F40-4320-BA11-7DF5B52D66AB}"/>
-    <dgm:cxn modelId="{672E4C70-9667-436A-9F79-12791933331F}" type="presOf" srcId="{F8B95E9D-1194-4FB2-9303-2B15A69390D2}" destId="{0EFF0AC4-F1E4-4C3E-9C93-6602FB2D634B}" srcOrd="0" destOrd="0" presId="urn:microsoft.com/office/officeart/2008/layout/LinedList"/>
-    <dgm:cxn modelId="{BCF3E753-7F88-4FB4-A544-5A68FAEAA2E2}" type="presOf" srcId="{E41A40AE-A922-4690-98FC-AFCFF270198F}" destId="{B48FD3BE-241E-448A-B380-508F916EB952}" srcOrd="0" destOrd="0" presId="urn:microsoft.com/office/officeart/2008/layout/LinedList"/>
+    <dgm:cxn modelId="{D22B6488-14B4-475F-9D43-486B9E50C1AA}" type="presOf" srcId="{AF97B601-0C4C-409E-8CFF-5318135F51B0}" destId="{B21C1AA9-6C68-4BE8-BB7D-585F9A6FC055}" srcOrd="0" destOrd="0" presId="urn:microsoft.com/office/officeart/2018/5/layout/IconCircleLabelList"/>
+    <dgm:cxn modelId="{A9CCAD90-F09A-4F65-997F-3CF9F29D2FE5}" type="presOf" srcId="{238B1191-D5A5-4E71-A5B0-8C30F770BD0E}" destId="{F0770647-65A7-4CFC-821F-6137A22B5FB8}" srcOrd="0" destOrd="0" presId="urn:microsoft.com/office/officeart/2018/5/layout/IconCircleLabelList"/>
+    <dgm:cxn modelId="{8138BAB4-0DB9-4366-87D5-3ED6842CCB3B}" type="presOf" srcId="{E41A40AE-A922-4690-98FC-AFCFF270198F}" destId="{9FE3BF94-90AF-40EE-B800-0990B17DA498}" srcOrd="0" destOrd="0" presId="urn:microsoft.com/office/officeart/2018/5/layout/IconCircleLabelList"/>
     <dgm:cxn modelId="{502FCCC3-D835-49E4-9CAC-746C1DABB4EB}" srcId="{AF97B601-0C4C-409E-8CFF-5318135F51B0}" destId="{EE853204-B039-4FD7-8E11-9E0BE3ECC169}" srcOrd="0" destOrd="0" parTransId="{19DA8E4F-B510-4C60-8845-FE48E9DA25C6}" sibTransId="{7754C90C-DF2F-44C9-8F8D-4AA67EA01C12}"/>
     <dgm:cxn modelId="{3D16EBCB-C5C4-41AA-88CC-7CAB5DCC0C96}" srcId="{AF97B601-0C4C-409E-8CFF-5318135F51B0}" destId="{E41A40AE-A922-4690-98FC-AFCFF270198F}" srcOrd="3" destOrd="0" parTransId="{F18D9435-38BE-4317-BF7C-C062792F3C65}" sibTransId="{999DD989-570C-45C7-9EC3-C98A22AFE3CB}"/>
-    <dgm:cxn modelId="{2F1830D1-D793-450B-B891-5F979EF3C3C0}" type="presOf" srcId="{238B1191-D5A5-4E71-A5B0-8C30F770BD0E}" destId="{7033BD00-8DC3-49B5-A789-B3A2A390654B}" srcOrd="0" destOrd="0" presId="urn:microsoft.com/office/officeart/2008/layout/LinedList"/>
     <dgm:cxn modelId="{86137DF2-A6AC-452B-9CF5-9305B0B7D362}" srcId="{AF97B601-0C4C-409E-8CFF-5318135F51B0}" destId="{F8B95E9D-1194-4FB2-9303-2B15A69390D2}" srcOrd="2" destOrd="0" parTransId="{A2CCD33B-3D9B-4F5E-AAC7-9A0B272B52AE}" sibTransId="{AAEA76EF-1CA1-4DB9-A273-8C5956A820D2}"/>
-    <dgm:cxn modelId="{1E559C4D-65DA-4D6F-8A92-1D8E32186B85}" type="presParOf" srcId="{0384296E-43E7-45EB-9683-6F5309E4A61A}" destId="{288644E1-F596-47F3-BA9F-CB5BDA70A81A}" srcOrd="0" destOrd="0" presId="urn:microsoft.com/office/officeart/2008/layout/LinedList"/>
-    <dgm:cxn modelId="{1BFA43DF-3EF3-4CD9-876A-C967BEE00A4F}" type="presParOf" srcId="{0384296E-43E7-45EB-9683-6F5309E4A61A}" destId="{794EE293-08A8-4CCE-BD89-6D6CA41A8677}" srcOrd="1" destOrd="0" presId="urn:microsoft.com/office/officeart/2008/layout/LinedList"/>
-    <dgm:cxn modelId="{B56D454B-C3D1-43F3-ADDA-9ADFFD323D2B}" type="presParOf" srcId="{794EE293-08A8-4CCE-BD89-6D6CA41A8677}" destId="{56A8B857-F8F4-40CC-B8AF-A30BD5928881}" srcOrd="0" destOrd="0" presId="urn:microsoft.com/office/officeart/2008/layout/LinedList"/>
-    <dgm:cxn modelId="{FCE8B977-E910-4C0F-89C5-DE8091DD902F}" type="presParOf" srcId="{794EE293-08A8-4CCE-BD89-6D6CA41A8677}" destId="{9C371FD3-7C52-4975-A17C-0837B9798109}" srcOrd="1" destOrd="0" presId="urn:microsoft.com/office/officeart/2008/layout/LinedList"/>
-    <dgm:cxn modelId="{F498CFE7-AB81-404E-B7B2-91B06F0E1F51}" type="presParOf" srcId="{0384296E-43E7-45EB-9683-6F5309E4A61A}" destId="{F9323F6E-3824-4247-93E9-67639B7B86D8}" srcOrd="2" destOrd="0" presId="urn:microsoft.com/office/officeart/2008/layout/LinedList"/>
-    <dgm:cxn modelId="{9D937892-2987-45FF-AFFB-4817893169B7}" type="presParOf" srcId="{0384296E-43E7-45EB-9683-6F5309E4A61A}" destId="{BADF11C9-D0C3-4E0A-AB59-845A3591554A}" srcOrd="3" destOrd="0" presId="urn:microsoft.com/office/officeart/2008/layout/LinedList"/>
-    <dgm:cxn modelId="{27BC2E1F-DDF0-4F56-9184-63D4AF5C2FA9}" type="presParOf" srcId="{BADF11C9-D0C3-4E0A-AB59-845A3591554A}" destId="{7033BD00-8DC3-49B5-A789-B3A2A390654B}" srcOrd="0" destOrd="0" presId="urn:microsoft.com/office/officeart/2008/layout/LinedList"/>
-    <dgm:cxn modelId="{20F7F39B-8334-4CC4-9FA9-962F80B89AFE}" type="presParOf" srcId="{BADF11C9-D0C3-4E0A-AB59-845A3591554A}" destId="{90BBDD0B-6081-4B5F-94D5-6E4AE31B1B91}" srcOrd="1" destOrd="0" presId="urn:microsoft.com/office/officeart/2008/layout/LinedList"/>
-    <dgm:cxn modelId="{8ABB825B-01F3-47A4-A2F6-F23BBE117EE3}" type="presParOf" srcId="{0384296E-43E7-45EB-9683-6F5309E4A61A}" destId="{9396D439-B351-4405-84E9-842AEC4AE6CC}" srcOrd="4" destOrd="0" presId="urn:microsoft.com/office/officeart/2008/layout/LinedList"/>
-    <dgm:cxn modelId="{2E8C366B-9AD8-43E1-B385-8FFEC37592A1}" type="presParOf" srcId="{0384296E-43E7-45EB-9683-6F5309E4A61A}" destId="{D1DFB357-6C73-4C9F-BDEF-4757DF64F885}" srcOrd="5" destOrd="0" presId="urn:microsoft.com/office/officeart/2008/layout/LinedList"/>
-    <dgm:cxn modelId="{568C3BFB-C2FB-4137-97AD-25341064F2C7}" type="presParOf" srcId="{D1DFB357-6C73-4C9F-BDEF-4757DF64F885}" destId="{0EFF0AC4-F1E4-4C3E-9C93-6602FB2D634B}" srcOrd="0" destOrd="0" presId="urn:microsoft.com/office/officeart/2008/layout/LinedList"/>
-    <dgm:cxn modelId="{9FF732EB-EF8D-4743-894A-64AE7103C563}" type="presParOf" srcId="{D1DFB357-6C73-4C9F-BDEF-4757DF64F885}" destId="{679C782F-959E-4667-9861-84DDE0E73AD1}" srcOrd="1" destOrd="0" presId="urn:microsoft.com/office/officeart/2008/layout/LinedList"/>
-    <dgm:cxn modelId="{7EBADFB1-0F1E-4CB7-8F71-10135313788D}" type="presParOf" srcId="{0384296E-43E7-45EB-9683-6F5309E4A61A}" destId="{6B869CA1-D476-47BF-81AC-B1606A006E1C}" srcOrd="6" destOrd="0" presId="urn:microsoft.com/office/officeart/2008/layout/LinedList"/>
-    <dgm:cxn modelId="{9B6BA2B2-44CE-423E-B20C-5115830497FA}" type="presParOf" srcId="{0384296E-43E7-45EB-9683-6F5309E4A61A}" destId="{CB71475D-D010-4E68-8361-DD9DFA104FFE}" srcOrd="7" destOrd="0" presId="urn:microsoft.com/office/officeart/2008/layout/LinedList"/>
-    <dgm:cxn modelId="{194CB3FB-E54C-42F6-AC4F-B8FB033CCCD4}" type="presParOf" srcId="{CB71475D-D010-4E68-8361-DD9DFA104FFE}" destId="{B48FD3BE-241E-448A-B380-508F916EB952}" srcOrd="0" destOrd="0" presId="urn:microsoft.com/office/officeart/2008/layout/LinedList"/>
-    <dgm:cxn modelId="{4E9CD555-7945-49F2-BE11-C849716164C9}" type="presParOf" srcId="{CB71475D-D010-4E68-8361-DD9DFA104FFE}" destId="{9F167CD3-D8AD-4648-B51F-82A628369F8E}" srcOrd="1" destOrd="0" presId="urn:microsoft.com/office/officeart/2008/layout/LinedList"/>
+    <dgm:cxn modelId="{A308A90D-AC2A-48B9-8BA4-8ED5AB61A648}" type="presParOf" srcId="{B21C1AA9-6C68-4BE8-BB7D-585F9A6FC055}" destId="{45081CF7-CD37-485C-96E2-6BD0E00709DB}" srcOrd="0" destOrd="0" presId="urn:microsoft.com/office/officeart/2018/5/layout/IconCircleLabelList"/>
+    <dgm:cxn modelId="{5144134F-415A-423A-AF0A-A3421A99E49F}" type="presParOf" srcId="{45081CF7-CD37-485C-96E2-6BD0E00709DB}" destId="{8E9EF567-E713-4340-9FEA-2B1480B24BD7}" srcOrd="0" destOrd="0" presId="urn:microsoft.com/office/officeart/2018/5/layout/IconCircleLabelList"/>
+    <dgm:cxn modelId="{4D1599B0-6122-4E8D-8665-4E2411D9AFAB}" type="presParOf" srcId="{45081CF7-CD37-485C-96E2-6BD0E00709DB}" destId="{193CFF74-44A8-4092-8027-5A6E03DDD489}" srcOrd="1" destOrd="0" presId="urn:microsoft.com/office/officeart/2018/5/layout/IconCircleLabelList"/>
+    <dgm:cxn modelId="{BBF64E5D-9B86-42CB-9A81-3B64C2C4EEE0}" type="presParOf" srcId="{45081CF7-CD37-485C-96E2-6BD0E00709DB}" destId="{249E0A03-847E-4DF3-AC45-6EBB768EA05C}" srcOrd="2" destOrd="0" presId="urn:microsoft.com/office/officeart/2018/5/layout/IconCircleLabelList"/>
+    <dgm:cxn modelId="{70C29C49-20C9-4835-A20F-E0231D82278B}" type="presParOf" srcId="{45081CF7-CD37-485C-96E2-6BD0E00709DB}" destId="{153A4CF8-27CA-4F9F-9713-88D24FCD7D09}" srcOrd="3" destOrd="0" presId="urn:microsoft.com/office/officeart/2018/5/layout/IconCircleLabelList"/>
+    <dgm:cxn modelId="{D4FF4D37-EFBB-4267-B453-08DFB70727F9}" type="presParOf" srcId="{B21C1AA9-6C68-4BE8-BB7D-585F9A6FC055}" destId="{0F180B62-50B3-435A-A0D3-9C9CE1B168E4}" srcOrd="1" destOrd="0" presId="urn:microsoft.com/office/officeart/2018/5/layout/IconCircleLabelList"/>
+    <dgm:cxn modelId="{D9FF02A8-D5C6-4821-9FD0-4E367B0AB2A9}" type="presParOf" srcId="{B21C1AA9-6C68-4BE8-BB7D-585F9A6FC055}" destId="{1EBF2798-A623-4622-BE19-CFC6DA4413FE}" srcOrd="2" destOrd="0" presId="urn:microsoft.com/office/officeart/2018/5/layout/IconCircleLabelList"/>
+    <dgm:cxn modelId="{C0E3F139-4533-4F58-85F7-EC3E6F51728A}" type="presParOf" srcId="{1EBF2798-A623-4622-BE19-CFC6DA4413FE}" destId="{5F098F9E-7987-4B95-9262-3DD5831DC82F}" srcOrd="0" destOrd="0" presId="urn:microsoft.com/office/officeart/2018/5/layout/IconCircleLabelList"/>
+    <dgm:cxn modelId="{3AFB8223-DB73-4C56-B350-4E34852084E6}" type="presParOf" srcId="{1EBF2798-A623-4622-BE19-CFC6DA4413FE}" destId="{DD1716DC-9867-4C9F-B92F-616AD8E656AE}" srcOrd="1" destOrd="0" presId="urn:microsoft.com/office/officeart/2018/5/layout/IconCircleLabelList"/>
+    <dgm:cxn modelId="{27CAE516-98FD-49E7-8863-41F04206B5EF}" type="presParOf" srcId="{1EBF2798-A623-4622-BE19-CFC6DA4413FE}" destId="{5C0A8201-57ED-45E5-8850-5AC58CE6FF5C}" srcOrd="2" destOrd="0" presId="urn:microsoft.com/office/officeart/2018/5/layout/IconCircleLabelList"/>
+    <dgm:cxn modelId="{28F36B47-1783-4F40-9459-D1121DC79559}" type="presParOf" srcId="{1EBF2798-A623-4622-BE19-CFC6DA4413FE}" destId="{F0770647-65A7-4CFC-821F-6137A22B5FB8}" srcOrd="3" destOrd="0" presId="urn:microsoft.com/office/officeart/2018/5/layout/IconCircleLabelList"/>
+    <dgm:cxn modelId="{18DC7AC6-E3DA-4A47-91D7-45E232A4AC01}" type="presParOf" srcId="{B21C1AA9-6C68-4BE8-BB7D-585F9A6FC055}" destId="{724A8E8C-322A-4279-B0FA-4A3AB5433372}" srcOrd="3" destOrd="0" presId="urn:microsoft.com/office/officeart/2018/5/layout/IconCircleLabelList"/>
+    <dgm:cxn modelId="{74C600D1-DBEB-440E-A52F-617808233805}" type="presParOf" srcId="{B21C1AA9-6C68-4BE8-BB7D-585F9A6FC055}" destId="{61220FE8-B4F9-498D-8FB0-2350427860CD}" srcOrd="4" destOrd="0" presId="urn:microsoft.com/office/officeart/2018/5/layout/IconCircleLabelList"/>
+    <dgm:cxn modelId="{F98CE351-3233-46D0-91CA-61CD42DDC198}" type="presParOf" srcId="{61220FE8-B4F9-498D-8FB0-2350427860CD}" destId="{F89E2B54-5D28-4A33-90D1-896DA2702A15}" srcOrd="0" destOrd="0" presId="urn:microsoft.com/office/officeart/2018/5/layout/IconCircleLabelList"/>
+    <dgm:cxn modelId="{BC5842C0-E72B-413B-AEA8-BEA2994C18AF}" type="presParOf" srcId="{61220FE8-B4F9-498D-8FB0-2350427860CD}" destId="{6AF61039-0A06-4920-A656-1FDDC11DDA95}" srcOrd="1" destOrd="0" presId="urn:microsoft.com/office/officeart/2018/5/layout/IconCircleLabelList"/>
+    <dgm:cxn modelId="{E4D3DAA2-7EA9-4918-99C2-5F07D9BDBCE5}" type="presParOf" srcId="{61220FE8-B4F9-498D-8FB0-2350427860CD}" destId="{EA801079-CE76-4EC2-BE74-569B083F8BAE}" srcOrd="2" destOrd="0" presId="urn:microsoft.com/office/officeart/2018/5/layout/IconCircleLabelList"/>
+    <dgm:cxn modelId="{F4719FE1-2CCC-4C3B-80F8-7A789B27000E}" type="presParOf" srcId="{61220FE8-B4F9-498D-8FB0-2350427860CD}" destId="{9C86C7BE-6A59-45BE-823C-B046D393D938}" srcOrd="3" destOrd="0" presId="urn:microsoft.com/office/officeart/2018/5/layout/IconCircleLabelList"/>
+    <dgm:cxn modelId="{E0D77E5E-1577-415D-A7B3-352737292781}" type="presParOf" srcId="{B21C1AA9-6C68-4BE8-BB7D-585F9A6FC055}" destId="{6CEC9F8F-F60B-4D26-A124-D7EB2D75500C}" srcOrd="5" destOrd="0" presId="urn:microsoft.com/office/officeart/2018/5/layout/IconCircleLabelList"/>
+    <dgm:cxn modelId="{6DDD2E33-1CE1-411C-AA6F-987FA921B52C}" type="presParOf" srcId="{B21C1AA9-6C68-4BE8-BB7D-585F9A6FC055}" destId="{6AA064AC-BB95-45AA-BF16-2713C6755FDC}" srcOrd="6" destOrd="0" presId="urn:microsoft.com/office/officeart/2018/5/layout/IconCircleLabelList"/>
+    <dgm:cxn modelId="{F8DC66CB-7756-4527-849D-7D6288718ED6}" type="presParOf" srcId="{6AA064AC-BB95-45AA-BF16-2713C6755FDC}" destId="{565E2CAD-505B-42DD-8E4C-CF5FFC8A449D}" srcOrd="0" destOrd="0" presId="urn:microsoft.com/office/officeart/2018/5/layout/IconCircleLabelList"/>
+    <dgm:cxn modelId="{76A1E050-0D36-4E7B-9EFB-56C72626F724}" type="presParOf" srcId="{6AA064AC-BB95-45AA-BF16-2713C6755FDC}" destId="{159C088B-ED5F-4102-B937-681AD194C5BA}" srcOrd="1" destOrd="0" presId="urn:microsoft.com/office/officeart/2018/5/layout/IconCircleLabelList"/>
+    <dgm:cxn modelId="{E365B4A0-DFE7-429A-8B25-8E42BEFE7F8D}" type="presParOf" srcId="{6AA064AC-BB95-45AA-BF16-2713C6755FDC}" destId="{E0D8FE49-C66B-45E0-858F-5DEA6A9378A5}" srcOrd="2" destOrd="0" presId="urn:microsoft.com/office/officeart/2018/5/layout/IconCircleLabelList"/>
+    <dgm:cxn modelId="{E3750B10-CDB8-428E-AE8C-AC9461588840}" type="presParOf" srcId="{6AA064AC-BB95-45AA-BF16-2713C6755FDC}" destId="{9FE3BF94-90AF-40EE-B800-0990B17DA498}" srcOrd="3" destOrd="0" presId="urn:microsoft.com/office/officeart/2018/5/layout/IconCircleLabelList"/>
   </dgm:cxnLst>
   <dgm:bg/>
   <dgm:whole/>
@@ -3253,79 +3615,88 @@
       <dsp:cNvGrpSpPr/>
     </dsp:nvGrpSpPr>
     <dsp:grpSpPr/>
-    <dsp:sp modelId="{288644E1-F596-47F3-BA9F-CB5BDA70A81A}">
+    <dsp:sp modelId="{8E9EF567-E713-4340-9FEA-2B1480B24BD7}">
       <dsp:nvSpPr>
         <dsp:cNvPr id="0" name=""/>
         <dsp:cNvSpPr/>
       </dsp:nvSpPr>
       <dsp:spPr>
         <a:xfrm>
-          <a:off x="0" y="0"/>
-          <a:ext cx="6034656" cy="0"/>
+          <a:off x="525304" y="786857"/>
+          <a:ext cx="1244531" cy="1244531"/>
         </a:xfrm>
-        <a:prstGeom prst="line">
+        <a:prstGeom prst="ellipse">
           <a:avLst/>
         </a:prstGeom>
-        <a:gradFill rotWithShape="0">
-          <a:gsLst>
-            <a:gs pos="0">
-              <a:schemeClr val="accent2">
-                <a:hueOff val="0"/>
-                <a:satOff val="0"/>
-                <a:lumOff val="0"/>
-                <a:alphaOff val="0"/>
-                <a:satMod val="103000"/>
-                <a:lumMod val="102000"/>
-                <a:tint val="94000"/>
-              </a:schemeClr>
-            </a:gs>
-            <a:gs pos="50000">
-              <a:schemeClr val="accent2">
-                <a:hueOff val="0"/>
-                <a:satOff val="0"/>
-                <a:lumOff val="0"/>
-                <a:alphaOff val="0"/>
-                <a:satMod val="110000"/>
-                <a:lumMod val="100000"/>
-                <a:shade val="100000"/>
-              </a:schemeClr>
-            </a:gs>
-            <a:gs pos="100000">
-              <a:schemeClr val="accent2">
-                <a:hueOff val="0"/>
-                <a:satOff val="0"/>
-                <a:lumOff val="0"/>
-                <a:alphaOff val="0"/>
-                <a:lumMod val="99000"/>
-                <a:satMod val="120000"/>
-                <a:shade val="78000"/>
-              </a:schemeClr>
-            </a:gs>
-          </a:gsLst>
-          <a:lin ang="5400000" scaled="0"/>
-        </a:gradFill>
-        <a:ln w="6350" cap="flat" cmpd="sng" algn="ctr">
-          <a:solidFill>
-            <a:schemeClr val="accent2">
-              <a:hueOff val="0"/>
-              <a:satOff val="0"/>
-              <a:lumOff val="0"/>
-              <a:alphaOff val="0"/>
-            </a:schemeClr>
-          </a:solidFill>
+        <a:solidFill>
+          <a:schemeClr val="accent2">
+            <a:hueOff val="0"/>
+            <a:satOff val="0"/>
+            <a:lumOff val="0"/>
+            <a:alphaOff val="0"/>
+          </a:schemeClr>
+        </a:solidFill>
+        <a:ln>
+          <a:noFill/>
+        </a:ln>
+        <a:effectLst/>
+      </dsp:spPr>
+      <dsp:style>
+        <a:lnRef idx="0">
+          <a:scrgbClr r="0" g="0" b="0"/>
+        </a:lnRef>
+        <a:fillRef idx="1">
+          <a:scrgbClr r="0" g="0" b="0"/>
+        </a:fillRef>
+        <a:effectRef idx="0">
+          <a:scrgbClr r="0" g="0" b="0"/>
+        </a:effectRef>
+        <a:fontRef idx="minor"/>
+      </dsp:style>
+    </dsp:sp>
+    <dsp:sp modelId="{193CFF74-44A8-4092-8027-5A6E03DDD489}">
+      <dsp:nvSpPr>
+        <dsp:cNvPr id="0" name=""/>
+        <dsp:cNvSpPr/>
+      </dsp:nvSpPr>
+      <dsp:spPr>
+        <a:xfrm>
+          <a:off x="790532" y="1052085"/>
+          <a:ext cx="714075" cy="714075"/>
+        </a:xfrm>
+        <a:prstGeom prst="rect">
+          <a:avLst/>
+        </a:prstGeom>
+        <a:blipFill>
+          <a:blip xmlns:r="http://schemas.openxmlformats.org/officeDocument/2006/relationships" r:embed="rId1">
+            <a:extLst>
+              <a:ext uri="{28A0092B-C50C-407E-A947-70E740481C1C}">
+                <a14:useLocalDpi xmlns:a14="http://schemas.microsoft.com/office/drawing/2010/main" val="0"/>
+              </a:ext>
+              <a:ext uri="{96DAC541-7B7A-43D3-8B79-37D633B846F1}">
+                <asvg:svgBlip xmlns:asvg="http://schemas.microsoft.com/office/drawing/2016/SVG/main" r:embed="rId2"/>
+              </a:ext>
+            </a:extLst>
+          </a:blip>
+          <a:stretch>
+            <a:fillRect/>
+          </a:stretch>
+        </a:blipFill>
+        <a:ln w="12700" cap="flat" cmpd="sng" algn="ctr">
+          <a:noFill/>
           <a:prstDash val="solid"/>
           <a:miter lim="800000"/>
         </a:ln>
         <a:effectLst/>
       </dsp:spPr>
       <dsp:style>
-        <a:lnRef idx="1">
+        <a:lnRef idx="2">
           <a:scrgbClr r="0" g="0" b="0"/>
         </a:lnRef>
-        <a:fillRef idx="3">
+        <a:fillRef idx="1">
           <a:scrgbClr r="0" g="0" b="0"/>
         </a:fillRef>
-        <a:effectRef idx="2">
+        <a:effectRef idx="0">
           <a:scrgbClr r="0" g="0" b="0"/>
         </a:effectRef>
         <a:fontRef idx="minor">
@@ -3333,15 +3704,15 @@
         </a:fontRef>
       </dsp:style>
     </dsp:sp>
-    <dsp:sp modelId="{56A8B857-F8F4-40CC-B8AF-A30BD5928881}">
+    <dsp:sp modelId="{153A4CF8-27CA-4F9F-9713-88D24FCD7D09}">
       <dsp:nvSpPr>
         <dsp:cNvPr id="0" name=""/>
         <dsp:cNvSpPr/>
       </dsp:nvSpPr>
       <dsp:spPr>
         <a:xfrm>
-          <a:off x="0" y="0"/>
-          <a:ext cx="6034656" cy="1408063"/>
+          <a:off x="127462" y="2419029"/>
+          <a:ext cx="2040215" cy="720000"/>
         </a:xfrm>
         <a:prstGeom prst="rect">
           <a:avLst/>
@@ -3365,12 +3736,12 @@
         <a:fontRef idx="minor"/>
       </dsp:style>
       <dsp:txBody>
-        <a:bodyPr spcFirstLastPara="0" vert="horz" wrap="square" lIns="133350" tIns="133350" rIns="133350" bIns="133350" numCol="1" spcCol="1270" anchor="t" anchorCtr="0">
+        <a:bodyPr spcFirstLastPara="0" vert="horz" wrap="square" lIns="0" tIns="0" rIns="0" bIns="0" numCol="1" spcCol="1270" anchor="t" anchorCtr="0">
           <a:noAutofit/>
         </a:bodyPr>
         <a:lstStyle/>
         <a:p>
-          <a:pPr marL="0" lvl="0" indent="0" algn="l" defTabSz="1555750">
+          <a:pPr marL="0" lvl="0" indent="0" algn="ctr" defTabSz="666750">
             <a:lnSpc>
               <a:spcPct val="90000"/>
             </a:lnSpc>
@@ -3381,92 +3752,102 @@
               <a:spcPct val="35000"/>
             </a:spcAft>
             <a:buNone/>
+            <a:defRPr cap="all"/>
           </a:pPr>
           <a:r>
-            <a:rPr lang="pt-PT" sz="3500" kern="1200" dirty="0"/>
+            <a:rPr lang="pt-PT" sz="1500" kern="1200"/>
             <a:t>Comprimentos diferentes</a:t>
           </a:r>
-          <a:endParaRPr lang="en-US" sz="3500" kern="1200" dirty="0"/>
+          <a:endParaRPr lang="en-US" sz="1500" kern="1200"/>
         </a:p>
       </dsp:txBody>
       <dsp:txXfrm>
-        <a:off x="0" y="0"/>
-        <a:ext cx="6034656" cy="1408063"/>
+        <a:off x="127462" y="2419029"/>
+        <a:ext cx="2040215" cy="720000"/>
       </dsp:txXfrm>
     </dsp:sp>
-    <dsp:sp modelId="{F9323F6E-3824-4247-93E9-67639B7B86D8}">
+    <dsp:sp modelId="{5F098F9E-7987-4B95-9262-3DD5831DC82F}">
       <dsp:nvSpPr>
         <dsp:cNvPr id="0" name=""/>
         <dsp:cNvSpPr/>
       </dsp:nvSpPr>
       <dsp:spPr>
         <a:xfrm>
-          <a:off x="0" y="1408063"/>
-          <a:ext cx="6034656" cy="0"/>
+          <a:off x="2922557" y="786857"/>
+          <a:ext cx="1244531" cy="1244531"/>
         </a:xfrm>
-        <a:prstGeom prst="line">
+        <a:prstGeom prst="ellipse">
           <a:avLst/>
         </a:prstGeom>
-        <a:gradFill rotWithShape="0">
-          <a:gsLst>
-            <a:gs pos="0">
-              <a:schemeClr val="accent2">
-                <a:hueOff val="803115"/>
-                <a:satOff val="-7744"/>
-                <a:lumOff val="-2287"/>
-                <a:alphaOff val="0"/>
-                <a:satMod val="103000"/>
-                <a:lumMod val="102000"/>
-                <a:tint val="94000"/>
-              </a:schemeClr>
-            </a:gs>
-            <a:gs pos="50000">
-              <a:schemeClr val="accent2">
-                <a:hueOff val="803115"/>
-                <a:satOff val="-7744"/>
-                <a:lumOff val="-2287"/>
-                <a:alphaOff val="0"/>
-                <a:satMod val="110000"/>
-                <a:lumMod val="100000"/>
-                <a:shade val="100000"/>
-              </a:schemeClr>
-            </a:gs>
-            <a:gs pos="100000">
-              <a:schemeClr val="accent2">
-                <a:hueOff val="803115"/>
-                <a:satOff val="-7744"/>
-                <a:lumOff val="-2287"/>
-                <a:alphaOff val="0"/>
-                <a:lumMod val="99000"/>
-                <a:satMod val="120000"/>
-                <a:shade val="78000"/>
-              </a:schemeClr>
-            </a:gs>
-          </a:gsLst>
-          <a:lin ang="5400000" scaled="0"/>
-        </a:gradFill>
-        <a:ln w="6350" cap="flat" cmpd="sng" algn="ctr">
-          <a:solidFill>
-            <a:schemeClr val="accent2">
-              <a:hueOff val="803115"/>
-              <a:satOff val="-7744"/>
-              <a:lumOff val="-2287"/>
-              <a:alphaOff val="0"/>
-            </a:schemeClr>
-          </a:solidFill>
+        <a:solidFill>
+          <a:schemeClr val="accent2">
+            <a:hueOff val="803115"/>
+            <a:satOff val="-7744"/>
+            <a:lumOff val="-2287"/>
+            <a:alphaOff val="0"/>
+          </a:schemeClr>
+        </a:solidFill>
+        <a:ln>
+          <a:noFill/>
+        </a:ln>
+        <a:effectLst/>
+      </dsp:spPr>
+      <dsp:style>
+        <a:lnRef idx="0">
+          <a:scrgbClr r="0" g="0" b="0"/>
+        </a:lnRef>
+        <a:fillRef idx="1">
+          <a:scrgbClr r="0" g="0" b="0"/>
+        </a:fillRef>
+        <a:effectRef idx="0">
+          <a:scrgbClr r="0" g="0" b="0"/>
+        </a:effectRef>
+        <a:fontRef idx="minor"/>
+      </dsp:style>
+    </dsp:sp>
+    <dsp:sp modelId="{DD1716DC-9867-4C9F-B92F-616AD8E656AE}">
+      <dsp:nvSpPr>
+        <dsp:cNvPr id="0" name=""/>
+        <dsp:cNvSpPr/>
+      </dsp:nvSpPr>
+      <dsp:spPr>
+        <a:xfrm>
+          <a:off x="3187785" y="1052085"/>
+          <a:ext cx="714075" cy="714075"/>
+        </a:xfrm>
+        <a:prstGeom prst="rect">
+          <a:avLst/>
+        </a:prstGeom>
+        <a:blipFill>
+          <a:blip xmlns:r="http://schemas.openxmlformats.org/officeDocument/2006/relationships" r:embed="rId3">
+            <a:extLst>
+              <a:ext uri="{28A0092B-C50C-407E-A947-70E740481C1C}">
+                <a14:useLocalDpi xmlns:a14="http://schemas.microsoft.com/office/drawing/2010/main" val="0"/>
+              </a:ext>
+              <a:ext uri="{96DAC541-7B7A-43D3-8B79-37D633B846F1}">
+                <asvg:svgBlip xmlns:asvg="http://schemas.microsoft.com/office/drawing/2016/SVG/main" r:embed="rId4"/>
+              </a:ext>
+            </a:extLst>
+          </a:blip>
+          <a:stretch>
+            <a:fillRect/>
+          </a:stretch>
+        </a:blipFill>
+        <a:ln w="12700" cap="flat" cmpd="sng" algn="ctr">
+          <a:noFill/>
           <a:prstDash val="solid"/>
           <a:miter lim="800000"/>
         </a:ln>
         <a:effectLst/>
       </dsp:spPr>
       <dsp:style>
-        <a:lnRef idx="1">
+        <a:lnRef idx="2">
           <a:scrgbClr r="0" g="0" b="0"/>
         </a:lnRef>
-        <a:fillRef idx="3">
+        <a:fillRef idx="1">
           <a:scrgbClr r="0" g="0" b="0"/>
         </a:fillRef>
-        <a:effectRef idx="2">
+        <a:effectRef idx="0">
           <a:scrgbClr r="0" g="0" b="0"/>
         </a:effectRef>
         <a:fontRef idx="minor">
@@ -3474,15 +3855,15 @@
         </a:fontRef>
       </dsp:style>
     </dsp:sp>
-    <dsp:sp modelId="{7033BD00-8DC3-49B5-A789-B3A2A390654B}">
+    <dsp:sp modelId="{F0770647-65A7-4CFC-821F-6137A22B5FB8}">
       <dsp:nvSpPr>
         <dsp:cNvPr id="0" name=""/>
         <dsp:cNvSpPr/>
       </dsp:nvSpPr>
       <dsp:spPr>
         <a:xfrm>
-          <a:off x="0" y="1408063"/>
-          <a:ext cx="6034656" cy="1408063"/>
+          <a:off x="2524715" y="2419029"/>
+          <a:ext cx="2040215" cy="720000"/>
         </a:xfrm>
         <a:prstGeom prst="rect">
           <a:avLst/>
@@ -3506,12 +3887,12 @@
         <a:fontRef idx="minor"/>
       </dsp:style>
       <dsp:txBody>
-        <a:bodyPr spcFirstLastPara="0" vert="horz" wrap="square" lIns="133350" tIns="133350" rIns="133350" bIns="133350" numCol="1" spcCol="1270" anchor="t" anchorCtr="0">
+        <a:bodyPr spcFirstLastPara="0" vert="horz" wrap="square" lIns="0" tIns="0" rIns="0" bIns="0" numCol="1" spcCol="1270" anchor="t" anchorCtr="0">
           <a:noAutofit/>
         </a:bodyPr>
         <a:lstStyle/>
         <a:p>
-          <a:pPr marL="0" lvl="0" indent="0" algn="l" defTabSz="1555750">
+          <a:pPr marL="0" lvl="0" indent="0" algn="ctr" defTabSz="666750">
             <a:lnSpc>
               <a:spcPct val="90000"/>
             </a:lnSpc>
@@ -3522,92 +3903,102 @@
               <a:spcPct val="35000"/>
             </a:spcAft>
             <a:buNone/>
+            <a:defRPr cap="all"/>
           </a:pPr>
           <a:r>
-            <a:rPr lang="pt-PT" sz="3500" kern="1200"/>
+            <a:rPr lang="pt-PT" sz="1500" kern="1200"/>
             <a:t>Controlo manual ou através de Aplicação Movel</a:t>
           </a:r>
-          <a:endParaRPr lang="en-US" sz="3500" kern="1200"/>
+          <a:endParaRPr lang="en-US" sz="1500" kern="1200"/>
         </a:p>
       </dsp:txBody>
       <dsp:txXfrm>
-        <a:off x="0" y="1408063"/>
-        <a:ext cx="6034656" cy="1408063"/>
+        <a:off x="2524715" y="2419029"/>
+        <a:ext cx="2040215" cy="720000"/>
       </dsp:txXfrm>
     </dsp:sp>
-    <dsp:sp modelId="{9396D439-B351-4405-84E9-842AEC4AE6CC}">
+    <dsp:sp modelId="{F89E2B54-5D28-4A33-90D1-896DA2702A15}">
       <dsp:nvSpPr>
         <dsp:cNvPr id="0" name=""/>
         <dsp:cNvSpPr/>
       </dsp:nvSpPr>
       <dsp:spPr>
         <a:xfrm>
-          <a:off x="0" y="2816127"/>
-          <a:ext cx="6034656" cy="0"/>
+          <a:off x="5319810" y="786857"/>
+          <a:ext cx="1244531" cy="1244531"/>
         </a:xfrm>
-        <a:prstGeom prst="line">
+        <a:prstGeom prst="ellipse">
           <a:avLst/>
         </a:prstGeom>
-        <a:gradFill rotWithShape="0">
-          <a:gsLst>
-            <a:gs pos="0">
-              <a:schemeClr val="accent2">
-                <a:hueOff val="1606230"/>
-                <a:satOff val="-15487"/>
-                <a:lumOff val="-4575"/>
-                <a:alphaOff val="0"/>
-                <a:satMod val="103000"/>
-                <a:lumMod val="102000"/>
-                <a:tint val="94000"/>
-              </a:schemeClr>
-            </a:gs>
-            <a:gs pos="50000">
-              <a:schemeClr val="accent2">
-                <a:hueOff val="1606230"/>
-                <a:satOff val="-15487"/>
-                <a:lumOff val="-4575"/>
-                <a:alphaOff val="0"/>
-                <a:satMod val="110000"/>
-                <a:lumMod val="100000"/>
-                <a:shade val="100000"/>
-              </a:schemeClr>
-            </a:gs>
-            <a:gs pos="100000">
-              <a:schemeClr val="accent2">
-                <a:hueOff val="1606230"/>
-                <a:satOff val="-15487"/>
-                <a:lumOff val="-4575"/>
-                <a:alphaOff val="0"/>
-                <a:lumMod val="99000"/>
-                <a:satMod val="120000"/>
-                <a:shade val="78000"/>
-              </a:schemeClr>
-            </a:gs>
-          </a:gsLst>
-          <a:lin ang="5400000" scaled="0"/>
-        </a:gradFill>
-        <a:ln w="6350" cap="flat" cmpd="sng" algn="ctr">
-          <a:solidFill>
-            <a:schemeClr val="accent2">
-              <a:hueOff val="1606230"/>
-              <a:satOff val="-15487"/>
-              <a:lumOff val="-4575"/>
-              <a:alphaOff val="0"/>
-            </a:schemeClr>
-          </a:solidFill>
+        <a:solidFill>
+          <a:schemeClr val="accent2">
+            <a:hueOff val="1606230"/>
+            <a:satOff val="-15487"/>
+            <a:lumOff val="-4575"/>
+            <a:alphaOff val="0"/>
+          </a:schemeClr>
+        </a:solidFill>
+        <a:ln>
+          <a:noFill/>
+        </a:ln>
+        <a:effectLst/>
+      </dsp:spPr>
+      <dsp:style>
+        <a:lnRef idx="0">
+          <a:scrgbClr r="0" g="0" b="0"/>
+        </a:lnRef>
+        <a:fillRef idx="1">
+          <a:scrgbClr r="0" g="0" b="0"/>
+        </a:fillRef>
+        <a:effectRef idx="0">
+          <a:scrgbClr r="0" g="0" b="0"/>
+        </a:effectRef>
+        <a:fontRef idx="minor"/>
+      </dsp:style>
+    </dsp:sp>
+    <dsp:sp modelId="{6AF61039-0A06-4920-A656-1FDDC11DDA95}">
+      <dsp:nvSpPr>
+        <dsp:cNvPr id="0" name=""/>
+        <dsp:cNvSpPr/>
+      </dsp:nvSpPr>
+      <dsp:spPr>
+        <a:xfrm>
+          <a:off x="5585038" y="1052085"/>
+          <a:ext cx="714075" cy="714075"/>
+        </a:xfrm>
+        <a:prstGeom prst="rect">
+          <a:avLst/>
+        </a:prstGeom>
+        <a:blipFill>
+          <a:blip xmlns:r="http://schemas.openxmlformats.org/officeDocument/2006/relationships" r:embed="rId5">
+            <a:extLst>
+              <a:ext uri="{28A0092B-C50C-407E-A947-70E740481C1C}">
+                <a14:useLocalDpi xmlns:a14="http://schemas.microsoft.com/office/drawing/2010/main" val="0"/>
+              </a:ext>
+              <a:ext uri="{96DAC541-7B7A-43D3-8B79-37D633B846F1}">
+                <asvg:svgBlip xmlns:asvg="http://schemas.microsoft.com/office/drawing/2016/SVG/main" r:embed="rId6"/>
+              </a:ext>
+            </a:extLst>
+          </a:blip>
+          <a:stretch>
+            <a:fillRect/>
+          </a:stretch>
+        </a:blipFill>
+        <a:ln w="12700" cap="flat" cmpd="sng" algn="ctr">
+          <a:noFill/>
           <a:prstDash val="solid"/>
           <a:miter lim="800000"/>
         </a:ln>
         <a:effectLst/>
       </dsp:spPr>
       <dsp:style>
-        <a:lnRef idx="1">
+        <a:lnRef idx="2">
           <a:scrgbClr r="0" g="0" b="0"/>
         </a:lnRef>
-        <a:fillRef idx="3">
+        <a:fillRef idx="1">
           <a:scrgbClr r="0" g="0" b="0"/>
         </a:fillRef>
-        <a:effectRef idx="2">
+        <a:effectRef idx="0">
           <a:scrgbClr r="0" g="0" b="0"/>
         </a:effectRef>
         <a:fontRef idx="minor">
@@ -3615,15 +4006,15 @@
         </a:fontRef>
       </dsp:style>
     </dsp:sp>
-    <dsp:sp modelId="{0EFF0AC4-F1E4-4C3E-9C93-6602FB2D634B}">
+    <dsp:sp modelId="{9C86C7BE-6A59-45BE-823C-B046D393D938}">
       <dsp:nvSpPr>
         <dsp:cNvPr id="0" name=""/>
         <dsp:cNvSpPr/>
       </dsp:nvSpPr>
       <dsp:spPr>
         <a:xfrm>
-          <a:off x="0" y="2816126"/>
-          <a:ext cx="6034656" cy="1408063"/>
+          <a:off x="4921968" y="2419029"/>
+          <a:ext cx="2040215" cy="720000"/>
         </a:xfrm>
         <a:prstGeom prst="rect">
           <a:avLst/>
@@ -3647,12 +4038,12 @@
         <a:fontRef idx="minor"/>
       </dsp:style>
       <dsp:txBody>
-        <a:bodyPr spcFirstLastPara="0" vert="horz" wrap="square" lIns="133350" tIns="133350" rIns="133350" bIns="133350" numCol="1" spcCol="1270" anchor="t" anchorCtr="0">
+        <a:bodyPr spcFirstLastPara="0" vert="horz" wrap="square" lIns="0" tIns="0" rIns="0" bIns="0" numCol="1" spcCol="1270" anchor="t" anchorCtr="0">
           <a:noAutofit/>
         </a:bodyPr>
         <a:lstStyle/>
         <a:p>
-          <a:pPr marL="0" lvl="0" indent="0" algn="l" defTabSz="1555750">
+          <a:pPr marL="0" lvl="0" indent="0" algn="ctr" defTabSz="666750">
             <a:lnSpc>
               <a:spcPct val="90000"/>
             </a:lnSpc>
@@ -3663,92 +4054,102 @@
               <a:spcPct val="35000"/>
             </a:spcAft>
             <a:buNone/>
+            <a:defRPr cap="all"/>
           </a:pPr>
           <a:r>
-            <a:rPr lang="pt-PT" sz="3500" kern="1200"/>
+            <a:rPr lang="pt-PT" sz="1500" kern="1200"/>
             <a:t>Monitorização de Consumos</a:t>
           </a:r>
-          <a:endParaRPr lang="en-US" sz="3500" kern="1200"/>
+          <a:endParaRPr lang="en-US" sz="1500" kern="1200"/>
         </a:p>
       </dsp:txBody>
       <dsp:txXfrm>
-        <a:off x="0" y="2816126"/>
-        <a:ext cx="6034656" cy="1408063"/>
+        <a:off x="4921968" y="2419029"/>
+        <a:ext cx="2040215" cy="720000"/>
       </dsp:txXfrm>
     </dsp:sp>
-    <dsp:sp modelId="{6B869CA1-D476-47BF-81AC-B1606A006E1C}">
+    <dsp:sp modelId="{565E2CAD-505B-42DD-8E4C-CF5FFC8A449D}">
       <dsp:nvSpPr>
         <dsp:cNvPr id="0" name=""/>
         <dsp:cNvSpPr/>
       </dsp:nvSpPr>
       <dsp:spPr>
         <a:xfrm>
-          <a:off x="0" y="4224190"/>
-          <a:ext cx="6034656" cy="0"/>
+          <a:off x="7717064" y="786857"/>
+          <a:ext cx="1244531" cy="1244531"/>
         </a:xfrm>
-        <a:prstGeom prst="line">
+        <a:prstGeom prst="ellipse">
           <a:avLst/>
         </a:prstGeom>
-        <a:gradFill rotWithShape="0">
-          <a:gsLst>
-            <a:gs pos="0">
-              <a:schemeClr val="accent2">
-                <a:hueOff val="2409345"/>
-                <a:satOff val="-23231"/>
-                <a:lumOff val="-6862"/>
-                <a:alphaOff val="0"/>
-                <a:satMod val="103000"/>
-                <a:lumMod val="102000"/>
-                <a:tint val="94000"/>
-              </a:schemeClr>
-            </a:gs>
-            <a:gs pos="50000">
-              <a:schemeClr val="accent2">
-                <a:hueOff val="2409345"/>
-                <a:satOff val="-23231"/>
-                <a:lumOff val="-6862"/>
-                <a:alphaOff val="0"/>
-                <a:satMod val="110000"/>
-                <a:lumMod val="100000"/>
-                <a:shade val="100000"/>
-              </a:schemeClr>
-            </a:gs>
-            <a:gs pos="100000">
-              <a:schemeClr val="accent2">
-                <a:hueOff val="2409345"/>
-                <a:satOff val="-23231"/>
-                <a:lumOff val="-6862"/>
-                <a:alphaOff val="0"/>
-                <a:lumMod val="99000"/>
-                <a:satMod val="120000"/>
-                <a:shade val="78000"/>
-              </a:schemeClr>
-            </a:gs>
-          </a:gsLst>
-          <a:lin ang="5400000" scaled="0"/>
-        </a:gradFill>
-        <a:ln w="6350" cap="flat" cmpd="sng" algn="ctr">
-          <a:solidFill>
-            <a:schemeClr val="accent2">
-              <a:hueOff val="2409345"/>
-              <a:satOff val="-23231"/>
-              <a:lumOff val="-6862"/>
-              <a:alphaOff val="0"/>
-            </a:schemeClr>
-          </a:solidFill>
+        <a:solidFill>
+          <a:schemeClr val="accent2">
+            <a:hueOff val="2409345"/>
+            <a:satOff val="-23231"/>
+            <a:lumOff val="-6862"/>
+            <a:alphaOff val="0"/>
+          </a:schemeClr>
+        </a:solidFill>
+        <a:ln>
+          <a:noFill/>
+        </a:ln>
+        <a:effectLst/>
+      </dsp:spPr>
+      <dsp:style>
+        <a:lnRef idx="0">
+          <a:scrgbClr r="0" g="0" b="0"/>
+        </a:lnRef>
+        <a:fillRef idx="1">
+          <a:scrgbClr r="0" g="0" b="0"/>
+        </a:fillRef>
+        <a:effectRef idx="0">
+          <a:scrgbClr r="0" g="0" b="0"/>
+        </a:effectRef>
+        <a:fontRef idx="minor"/>
+      </dsp:style>
+    </dsp:sp>
+    <dsp:sp modelId="{159C088B-ED5F-4102-B937-681AD194C5BA}">
+      <dsp:nvSpPr>
+        <dsp:cNvPr id="0" name=""/>
+        <dsp:cNvSpPr/>
+      </dsp:nvSpPr>
+      <dsp:spPr>
+        <a:xfrm>
+          <a:off x="7982292" y="1052085"/>
+          <a:ext cx="714075" cy="714075"/>
+        </a:xfrm>
+        <a:prstGeom prst="rect">
+          <a:avLst/>
+        </a:prstGeom>
+        <a:blipFill>
+          <a:blip xmlns:r="http://schemas.openxmlformats.org/officeDocument/2006/relationships" r:embed="rId7">
+            <a:extLst>
+              <a:ext uri="{28A0092B-C50C-407E-A947-70E740481C1C}">
+                <a14:useLocalDpi xmlns:a14="http://schemas.microsoft.com/office/drawing/2010/main" val="0"/>
+              </a:ext>
+              <a:ext uri="{96DAC541-7B7A-43D3-8B79-37D633B846F1}">
+                <asvg:svgBlip xmlns:asvg="http://schemas.microsoft.com/office/drawing/2016/SVG/main" r:embed="rId8"/>
+              </a:ext>
+            </a:extLst>
+          </a:blip>
+          <a:stretch>
+            <a:fillRect/>
+          </a:stretch>
+        </a:blipFill>
+        <a:ln w="12700" cap="flat" cmpd="sng" algn="ctr">
+          <a:noFill/>
           <a:prstDash val="solid"/>
           <a:miter lim="800000"/>
         </a:ln>
         <a:effectLst/>
       </dsp:spPr>
       <dsp:style>
-        <a:lnRef idx="1">
+        <a:lnRef idx="2">
           <a:scrgbClr r="0" g="0" b="0"/>
         </a:lnRef>
-        <a:fillRef idx="3">
+        <a:fillRef idx="1">
           <a:scrgbClr r="0" g="0" b="0"/>
         </a:fillRef>
-        <a:effectRef idx="2">
+        <a:effectRef idx="0">
           <a:scrgbClr r="0" g="0" b="0"/>
         </a:effectRef>
         <a:fontRef idx="minor">
@@ -3756,15 +4157,15 @@
         </a:fontRef>
       </dsp:style>
     </dsp:sp>
-    <dsp:sp modelId="{B48FD3BE-241E-448A-B380-508F916EB952}">
+    <dsp:sp modelId="{9FE3BF94-90AF-40EE-B800-0990B17DA498}">
       <dsp:nvSpPr>
         <dsp:cNvPr id="0" name=""/>
         <dsp:cNvSpPr/>
       </dsp:nvSpPr>
       <dsp:spPr>
         <a:xfrm>
-          <a:off x="0" y="4224190"/>
-          <a:ext cx="6034656" cy="1408063"/>
+          <a:off x="7319222" y="2419029"/>
+          <a:ext cx="2040215" cy="720000"/>
         </a:xfrm>
         <a:prstGeom prst="rect">
           <a:avLst/>
@@ -3788,12 +4189,12 @@
         <a:fontRef idx="minor"/>
       </dsp:style>
       <dsp:txBody>
-        <a:bodyPr spcFirstLastPara="0" vert="horz" wrap="square" lIns="133350" tIns="133350" rIns="133350" bIns="133350" numCol="1" spcCol="1270" anchor="t" anchorCtr="0">
+        <a:bodyPr spcFirstLastPara="0" vert="horz" wrap="square" lIns="0" tIns="0" rIns="0" bIns="0" numCol="1" spcCol="1270" anchor="t" anchorCtr="0">
           <a:noAutofit/>
         </a:bodyPr>
         <a:lstStyle/>
         <a:p>
-          <a:pPr marL="0" lvl="0" indent="0" algn="l" defTabSz="1555750">
+          <a:pPr marL="0" lvl="0" indent="0" algn="ctr" defTabSz="666750">
             <a:lnSpc>
               <a:spcPct val="90000"/>
             </a:lnSpc>
@@ -3804,17 +4205,18 @@
               <a:spcPct val="35000"/>
             </a:spcAft>
             <a:buNone/>
+            <a:defRPr cap="all"/>
           </a:pPr>
           <a:r>
-            <a:rPr lang="pt-PT" sz="3500" kern="1200"/>
+            <a:rPr lang="pt-PT" sz="1500" kern="1200"/>
             <a:t>Integração com Assistentes Virtuais</a:t>
           </a:r>
-          <a:endParaRPr lang="en-US" sz="3500" kern="1200"/>
+          <a:endParaRPr lang="en-US" sz="1500" kern="1200"/>
         </a:p>
       </dsp:txBody>
       <dsp:txXfrm>
-        <a:off x="0" y="4224190"/>
-        <a:ext cx="6034656" cy="1408063"/>
+        <a:off x="7319222" y="2419029"/>
+        <a:ext cx="2040215" cy="720000"/>
       </dsp:txXfrm>
     </dsp:sp>
   </dsp:spTree>
@@ -4991,103 +5393,57 @@
 </file>
 
 <file path=ppt/diagrams/layout1.xml><?xml version="1.0" encoding="utf-8"?>
-<dgm:layoutDef xmlns:dgm="http://schemas.openxmlformats.org/drawingml/2006/diagram" xmlns:a="http://schemas.openxmlformats.org/drawingml/2006/main" uniqueId="urn:microsoft.com/office/officeart/2008/layout/LinedList">
-  <dgm:title val=""/>
-  <dgm:desc val=""/>
+<dgm:layoutDef xmlns:dgm="http://schemas.openxmlformats.org/drawingml/2006/diagram" xmlns:a="http://schemas.openxmlformats.org/drawingml/2006/main" uniqueId="urn:microsoft.com/office/officeart/2018/5/layout/IconCircleLabelList">
+  <dgm:title val="Icon Circle Label List"/>
+  <dgm:desc val="Use to show non-sequential or grouped chunks of information accompanied by a related visuals. Works best with icons or small pictures with short text captions."/>
   <dgm:catLst>
-    <dgm:cat type="hierarchy" pri="8000"/>
-    <dgm:cat type="list" pri="2500"/>
+    <dgm:cat type="icon" pri="500"/>
   </dgm:catLst>
-  <dgm:sampData>
+  <dgm:sampData useDef="1">
     <dgm:dataModel>
-      <dgm:ptLst>
-        <dgm:pt modelId="0" type="doc"/>
-        <dgm:pt modelId="1">
-          <dgm:prSet phldr="1"/>
-        </dgm:pt>
-        <dgm:pt modelId="11">
-          <dgm:prSet phldr="1"/>
-        </dgm:pt>
-        <dgm:pt modelId="12">
-          <dgm:prSet phldr="1"/>
-        </dgm:pt>
-        <dgm:pt modelId="13">
-          <dgm:prSet phldr="1"/>
-        </dgm:pt>
-      </dgm:ptLst>
-      <dgm:cxnLst>
-        <dgm:cxn modelId="2" srcId="0" destId="1" srcOrd="0" destOrd="0"/>
-        <dgm:cxn modelId="3" srcId="1" destId="11" srcOrd="0" destOrd="0"/>
-        <dgm:cxn modelId="4" srcId="1" destId="12" srcOrd="1" destOrd="0"/>
-        <dgm:cxn modelId="5" srcId="1" destId="13" srcOrd="2" destOrd="0"/>
-      </dgm:cxnLst>
+      <dgm:ptLst/>
       <dgm:bg/>
       <dgm:whole/>
     </dgm:dataModel>
   </dgm:sampData>
-  <dgm:styleData>
+  <dgm:styleData useDef="1">
     <dgm:dataModel>
-      <dgm:ptLst>
-        <dgm:pt modelId="0" type="doc"/>
-        <dgm:pt modelId="1">
-          <dgm:prSet phldr="1"/>
-        </dgm:pt>
-        <dgm:pt modelId="11">
-          <dgm:prSet phldr="1"/>
-        </dgm:pt>
-        <dgm:pt modelId="12">
-          <dgm:prSet phldr="1"/>
-        </dgm:pt>
-      </dgm:ptLst>
-      <dgm:cxnLst>
-        <dgm:cxn modelId="2" srcId="0" destId="1" srcOrd="0" destOrd="0"/>
-        <dgm:cxn modelId="3" srcId="1" destId="11" srcOrd="0" destOrd="0"/>
-        <dgm:cxn modelId="4" srcId="1" destId="12" srcOrd="1" destOrd="0"/>
-      </dgm:cxnLst>
+      <dgm:ptLst/>
       <dgm:bg/>
       <dgm:whole/>
     </dgm:dataModel>
   </dgm:styleData>
-  <dgm:clrData>
+  <dgm:clrData useDef="1">
     <dgm:dataModel>
-      <dgm:ptLst>
-        <dgm:pt modelId="0" type="doc"/>
-        <dgm:pt modelId="1">
-          <dgm:prSet phldr="1"/>
-        </dgm:pt>
-        <dgm:pt modelId="11">
-          <dgm:prSet phldr="1"/>
-        </dgm:pt>
-        <dgm:pt modelId="12">
-          <dgm:prSet phldr="1"/>
-        </dgm:pt>
-      </dgm:ptLst>
-      <dgm:cxnLst>
-        <dgm:cxn modelId="2" srcId="0" destId="1" srcOrd="0" destOrd="0"/>
-        <dgm:cxn modelId="3" srcId="1" destId="11" srcOrd="0" destOrd="0"/>
-        <dgm:cxn modelId="4" srcId="1" destId="12" srcOrd="1" destOrd="0"/>
-      </dgm:cxnLst>
+      <dgm:ptLst/>
       <dgm:bg/>
       <dgm:whole/>
     </dgm:dataModel>
   </dgm:clrData>
-  <dgm:layoutNode name="vert0">
+  <dgm:layoutNode name="root">
     <dgm:varLst>
       <dgm:dir/>
-      <dgm:animOne val="branch"/>
-      <dgm:animLvl val="lvl"/>
+      <dgm:resizeHandles val="exact"/>
     </dgm:varLst>
     <dgm:choose name="Name0">
-      <dgm:if name="Name1" func="var" arg="dir" op="equ" val="norm">
-        <dgm:alg type="lin">
-          <dgm:param type="linDir" val="fromT"/>
-          <dgm:param type="nodeHorzAlign" val="l"/>
+      <dgm:if name="Name1" axis="self" func="var" arg="dir" op="equ" val="norm">
+        <dgm:alg type="snake">
+          <dgm:param type="grDir" val="tL"/>
+          <dgm:param type="flowDir" val="row"/>
+          <dgm:param type="contDir" val="sameDir"/>
+          <dgm:param type="off" val="ctr"/>
+          <dgm:param type="vertAlign" val="mid"/>
+          <dgm:param type="horzAlign" val="ctr"/>
         </dgm:alg>
       </dgm:if>
       <dgm:else name="Name2">
-        <dgm:alg type="lin">
-          <dgm:param type="linDir" val="fromT"/>
-          <dgm:param type="nodeHorzAlign" val="r"/>
+        <dgm:alg type="snake">
+          <dgm:param type="grDir" val="tR"/>
+          <dgm:param type="flowDir" val="row"/>
+          <dgm:param type="contDir" val="sameDir"/>
+          <dgm:param type="off" val="ctr"/>
+          <dgm:param type="vertAlign" val="mid"/>
+          <dgm:param type="horzAlign" val="ctr"/>
         </dgm:alg>
       </dgm:else>
     </dgm:choose>
@@ -5095,364 +5451,159 @@
       <dgm:adjLst/>
     </dgm:shape>
     <dgm:presOf/>
-    <dgm:constrLst>
-      <dgm:constr type="w" for="ch" forName="horz1" refType="w"/>
-      <dgm:constr type="h" for="ch" forName="horz1" refType="h"/>
-      <dgm:constr type="h" for="des" forName="vert1" refType="h"/>
-      <dgm:constr type="h" for="des" forName="tx1" refType="h"/>
-      <dgm:constr type="h" for="des" forName="horz2" refType="h"/>
-      <dgm:constr type="h" for="des" forName="vert2" refType="h"/>
-      <dgm:constr type="h" for="des" forName="horz3" refType="h"/>
-      <dgm:constr type="h" for="des" forName="vert3" refType="h"/>
-      <dgm:constr type="h" for="des" forName="horz4" refType="h"/>
-      <dgm:constr type="h" for="des" ptType="node" refType="h"/>
-      <dgm:constr type="primFontSz" for="des" forName="tx1" op="equ" val="65"/>
-      <dgm:constr type="primFontSz" for="des" forName="tx2" op="equ" val="65"/>
-      <dgm:constr type="primFontSz" for="des" forName="tx3" op="equ" val="65"/>
-      <dgm:constr type="primFontSz" for="des" forName="tx4" op="equ" val="65"/>
-      <dgm:constr type="w" for="des" forName="thickLine" refType="w"/>
-      <dgm:constr type="h" for="des" forName="thickLine"/>
-      <dgm:constr type="h" for="des" forName="thinLine1"/>
-      <dgm:constr type="h" for="des" forName="thinLine2b"/>
-      <dgm:constr type="h" for="des" forName="thinLine3"/>
-      <dgm:constr type="h" for="des" forName="vertSpace2a" refType="h" fact="0.05"/>
-      <dgm:constr type="h" for="des" forName="vertSpace2b" refType="h" refFor="des" refForName="vertSpace2a"/>
-    </dgm:constrLst>
-    <dgm:forEach name="Name3" axis="ch" ptType="node">
-      <dgm:layoutNode name="thickLine" styleLbl="alignNode1">
-        <dgm:alg type="sp"/>
-        <dgm:shape xmlns:r="http://schemas.openxmlformats.org/officeDocument/2006/relationships" type="line" r:blip="">
-          <dgm:adjLst/>
-        </dgm:shape>
-        <dgm:presOf/>
-      </dgm:layoutNode>
-      <dgm:layoutNode name="horz1">
-        <dgm:choose name="Name4">
-          <dgm:if name="Name5" func="var" arg="dir" op="equ" val="norm">
-            <dgm:alg type="lin">
-              <dgm:param type="linDir" val="fromL"/>
-              <dgm:param type="nodeVertAlign" val="t"/>
-            </dgm:alg>
-          </dgm:if>
-          <dgm:else name="Name6">
-            <dgm:alg type="lin">
-              <dgm:param type="linDir" val="fromR"/>
-              <dgm:param type="nodeVertAlign" val="t"/>
-            </dgm:alg>
-          </dgm:else>
-        </dgm:choose>
+    <dgm:choose name="Name3">
+      <dgm:if name="Name4" axis="ch" ptType="node" func="cnt" op="lte" val="2">
+        <dgm:constrLst>
+          <dgm:constr type="h" for="ch" forName="compNode" refType="h" fact="0.4"/>
+          <dgm:constr type="w" for="ch" forName="compNode" val="100"/>
+          <dgm:constr type="w" for="ch" forName="sibTrans" refType="w" refFor="ch" refForName="compNode" fact="0.175"/>
+          <dgm:constr type="sp" refType="w" refFor="ch" refForName="compNode" op="equ" fact="0.25"/>
+          <dgm:constr type="primFontSz" for="des" ptType="node" op="equ" val="44"/>
+          <dgm:constr type="h" for="des" forName="compNode" op="equ"/>
+          <dgm:constr type="h" for="des" forName="textRect" op="equ"/>
+        </dgm:constrLst>
+      </dgm:if>
+      <dgm:if name="Name5" axis="ch" ptType="node" func="cnt" op="lte" val="3">
+        <dgm:constrLst>
+          <dgm:constr type="h" for="ch" forName="compNode" refType="h" fact="0.4"/>
+          <dgm:constr type="w" for="ch" forName="compNode" val="100"/>
+          <dgm:constr type="w" for="ch" forName="sibTrans" refType="w" refFor="ch" refForName="compNode" fact="0.175"/>
+          <dgm:constr type="sp" refType="w" refFor="ch" refForName="compNode" op="equ" fact="0.25"/>
+          <dgm:constr type="primFontSz" for="des" ptType="node" op="equ" val="40"/>
+          <dgm:constr type="h" for="des" forName="compNode" op="equ"/>
+          <dgm:constr type="h" for="des" forName="textRect" op="equ"/>
+        </dgm:constrLst>
+      </dgm:if>
+      <dgm:if name="Name6" axis="ch" ptType="node" func="cnt" op="lte" val="4">
+        <dgm:constrLst>
+          <dgm:constr type="h" for="ch" forName="compNode" refType="h" fact="0.4"/>
+          <dgm:constr type="w" for="ch" forName="compNode" refType="w"/>
+          <dgm:constr type="w" for="ch" forName="sibTrans" refType="w" refFor="ch" refForName="compNode" fact="0.175"/>
+          <dgm:constr type="sp" refType="w" refFor="ch" refForName="compNode" op="equ" fact="0.25"/>
+          <dgm:constr type="primFontSz" for="des" ptType="node" op="equ" val="32"/>
+          <dgm:constr type="h" for="des" forName="compNode" op="equ"/>
+          <dgm:constr type="h" for="des" forName="textRect" op="equ"/>
+        </dgm:constrLst>
+      </dgm:if>
+      <dgm:else name="Name7">
+        <dgm:constrLst>
+          <dgm:constr type="h" for="ch" forName="compNode" refType="h" fact="0.4"/>
+          <dgm:constr type="w" for="ch" forName="compNode" refType="w"/>
+          <dgm:constr type="w" for="ch" forName="sibTrans" refType="w" refFor="ch" refForName="compNode" fact="0.175"/>
+          <dgm:constr type="sp" refType="w" refFor="ch" refForName="compNode" op="equ" fact="0.25"/>
+          <dgm:constr type="primFontSz" for="des" ptType="node" op="equ" val="24"/>
+          <dgm:constr type="h" for="des" forName="compNode" op="equ"/>
+          <dgm:constr type="h" for="des" forName="textRect" op="equ"/>
+        </dgm:constrLst>
+      </dgm:else>
+    </dgm:choose>
+    <dgm:ruleLst>
+      <dgm:rule type="w" for="ch" forName="compNode" val="50" fact="NaN" max="NaN"/>
+    </dgm:ruleLst>
+    <dgm:forEach name="Name8" axis="ch" ptType="node">
+      <dgm:layoutNode name="compNode">
+        <dgm:alg type="composite"/>
         <dgm:shape xmlns:r="http://schemas.openxmlformats.org/officeDocument/2006/relationships" r:blip="">
           <dgm:adjLst/>
         </dgm:shape>
-        <dgm:presOf/>
-        <dgm:choose name="Name7">
-          <dgm:if name="Name8" axis="root des" func="maxDepth" op="equ" val="1">
-            <dgm:constrLst>
-              <dgm:constr type="w" for="ch" forName="tx1" refType="w"/>
-            </dgm:constrLst>
-          </dgm:if>
-          <dgm:if name="Name9" axis="root des" func="maxDepth" op="equ" val="2">
-            <dgm:constrLst>
-              <dgm:constr type="w" for="ch" forName="tx1" refType="w" fact="0.2"/>
-              <dgm:constr type="w" for="des" forName="tx2" refType="w" fact="0.785"/>
-              <dgm:constr type="w" for="des" forName="horzSpace2" refType="w" fact="0.015"/>
-              <dgm:constr type="w" for="des" forName="thinLine2b" refType="w" fact="0.8"/>
-            </dgm:constrLst>
-          </dgm:if>
-          <dgm:if name="Name10" axis="root des" func="maxDepth" op="equ" val="3">
-            <dgm:constrLst>
-              <dgm:constr type="w" for="ch" forName="tx1" refType="w" fact="0.2"/>
-              <dgm:constr type="w" for="des" forName="tx2" refType="w" fact="0.385"/>
-              <dgm:constr type="w" for="des" forName="tx3" refType="w" fact="0.385"/>
-              <dgm:constr type="w" for="des" forName="horzSpace2" refType="w" fact="0.015"/>
-              <dgm:constr type="w" for="des" forName="horzSpace3" refType="w" fact="0.015"/>
-              <dgm:constr type="w" for="des" forName="thinLine2b" refType="w" fact="0.8"/>
-              <dgm:constr type="w" for="des" forName="thinLine3" refType="w" fact="0.385"/>
-            </dgm:constrLst>
-          </dgm:if>
-          <dgm:if name="Name11" axis="root des" func="maxDepth" op="gte" val="4">
-            <dgm:constrLst>
-              <dgm:constr type="w" for="ch" forName="tx1" refType="w" fact="0.2"/>
-              <dgm:constr type="w" for="des" forName="tx2" refType="w" fact="0.2516"/>
-              <dgm:constr type="w" for="des" forName="tx3" refType="w" fact="0.2516"/>
-              <dgm:constr type="w" for="des" forName="tx4" refType="w" fact="0.2516"/>
-              <dgm:constr type="w" for="des" forName="horzSpace2" refType="w" fact="0.015"/>
-              <dgm:constr type="w" for="des" forName="horzSpace3" refType="w" fact="0.015"/>
-              <dgm:constr type="w" for="des" forName="horzSpace4" refType="w" fact="0.015"/>
-              <dgm:constr type="w" for="des" forName="thinLine2b" refType="w" fact="0.8"/>
-              <dgm:constr type="w" for="des" forName="thinLine3" refType="w" fact="0.5332"/>
-            </dgm:constrLst>
-          </dgm:if>
-          <dgm:else name="Name12"/>
-        </dgm:choose>
-        <dgm:layoutNode name="tx1" styleLbl="revTx">
+        <dgm:presOf axis="self"/>
+        <dgm:constrLst>
+          <dgm:constr type="w" for="ch" forName="iconBgRect" refType="w" fact="0.61"/>
+          <dgm:constr type="h" for="ch" forName="iconBgRect" refType="w" refFor="ch" refForName="iconBgRect"/>
+          <dgm:constr type="t" for="ch" forName="iconBgRect"/>
+          <dgm:constr type="ctrX" for="ch" forName="iconBgRect" refType="w" fact="0.5"/>
+          <dgm:constr type="w" for="ch" forName="iconRect" refType="w" fact="0.35"/>
+          <dgm:constr type="h" for="ch" forName="iconRect" refType="w" refFor="ch" refForName="iconRect"/>
+          <dgm:constr type="ctrX" for="ch" forName="iconRect" refType="ctrX" refFor="ch" refForName="iconBgRect"/>
+          <dgm:constr type="ctrY" for="ch" forName="iconRect" refType="ctrY" refFor="ch" refForName="iconBgRect"/>
+          <dgm:constr type="h" for="ch" forName="spaceRect" refType="w" fact="0.19"/>
+          <dgm:constr type="w" for="ch" forName="spaceRect" refType="w"/>
+          <dgm:constr type="l" for="ch" forName="spaceRect"/>
+          <dgm:constr type="t" for="ch" forName="spaceRect" refType="b" refFor="ch" refForName="iconBgRect"/>
+          <dgm:constr type="h" for="ch" forName="textRect" val="20"/>
+          <dgm:constr type="w" for="ch" forName="textRect" refType="w"/>
+          <dgm:constr type="l" for="ch" forName="textRect"/>
+          <dgm:constr type="t" for="ch" forName="textRect" refType="b" refFor="ch" refForName="spaceRect"/>
+        </dgm:constrLst>
+        <dgm:ruleLst>
+          <dgm:rule type="h" val="INF" fact="NaN" max="NaN"/>
+        </dgm:ruleLst>
+        <dgm:layoutNode name="iconBgRect" styleLbl="bgShp">
+          <dgm:alg type="sp"/>
+          <dgm:shape xmlns:r="http://schemas.openxmlformats.org/officeDocument/2006/relationships" type="ellipse" r:blip="">
+            <dgm:adjLst/>
+          </dgm:shape>
+          <dgm:presOf/>
+          <dgm:constrLst/>
+          <dgm:ruleLst/>
+        </dgm:layoutNode>
+        <dgm:layoutNode name="iconRect" styleLbl="node1">
+          <dgm:alg type="sp"/>
+          <dgm:shape xmlns:r="http://schemas.openxmlformats.org/officeDocument/2006/relationships" type="rect" r:blip="" blipPhldr="1">
+            <dgm:adjLst/>
+          </dgm:shape>
+          <dgm:presOf/>
+          <dgm:constrLst/>
+          <dgm:ruleLst/>
+        </dgm:layoutNode>
+        <dgm:layoutNode name="spaceRect">
+          <dgm:alg type="sp"/>
+          <dgm:shape xmlns:r="http://schemas.openxmlformats.org/officeDocument/2006/relationships" r:blip="">
+            <dgm:adjLst/>
+          </dgm:shape>
+          <dgm:presOf/>
+          <dgm:constrLst/>
+          <dgm:ruleLst/>
+        </dgm:layoutNode>
+        <dgm:layoutNode name="textRect" styleLbl="revTx">
+          <dgm:varLst>
+            <dgm:chMax val="1"/>
+            <dgm:chPref val="1"/>
+          </dgm:varLst>
           <dgm:alg type="tx">
-            <dgm:param type="parTxLTRAlign" val="l"/>
-            <dgm:param type="parTxRTLAlign" val="r"/>
             <dgm:param type="txAnchorVert" val="t"/>
           </dgm:alg>
           <dgm:shape xmlns:r="http://schemas.openxmlformats.org/officeDocument/2006/relationships" type="rect" r:blip="">
             <dgm:adjLst/>
           </dgm:shape>
-          <dgm:presOf axis="self"/>
+          <dgm:presOf axis="self" ptType="node"/>
           <dgm:constrLst>
-            <dgm:constr type="tMarg" refType="primFontSz" fact="0.3"/>
-            <dgm:constr type="bMarg" refType="primFontSz" fact="0.3"/>
-            <dgm:constr type="lMarg" refType="primFontSz" fact="0.3"/>
-            <dgm:constr type="rMarg" refType="primFontSz" fact="0.3"/>
+            <dgm:constr type="lMarg"/>
+            <dgm:constr type="rMarg"/>
+            <dgm:constr type="tMarg"/>
+            <dgm:constr type="bMarg"/>
           </dgm:constrLst>
           <dgm:ruleLst>
-            <dgm:rule type="primFontSz" val="5" fact="NaN" max="NaN"/>
+            <dgm:rule type="primFontSz" val="11" fact="NaN" max="NaN"/>
+            <dgm:rule type="h" val="INF" fact="NaN" max="NaN"/>
           </dgm:ruleLst>
         </dgm:layoutNode>
-        <dgm:layoutNode name="vert1">
-          <dgm:choose name="Name13">
-            <dgm:if name="Name14" func="var" arg="dir" op="equ" val="norm">
-              <dgm:alg type="lin">
-                <dgm:param type="linDir" val="fromT"/>
-                <dgm:param type="nodeHorzAlign" val="l"/>
-              </dgm:alg>
-            </dgm:if>
-            <dgm:else name="Name15">
-              <dgm:alg type="lin">
-                <dgm:param type="linDir" val="fromT"/>
-                <dgm:param type="nodeHorzAlign" val="r"/>
-              </dgm:alg>
-            </dgm:else>
-          </dgm:choose>
+      </dgm:layoutNode>
+      <dgm:forEach name="Name9" axis="followSib" ptType="sibTrans" cnt="1">
+        <dgm:layoutNode name="sibTrans">
+          <dgm:alg type="sp"/>
           <dgm:shape xmlns:r="http://schemas.openxmlformats.org/officeDocument/2006/relationships" r:blip="">
             <dgm:adjLst/>
           </dgm:shape>
-          <dgm:presOf/>
-          <dgm:forEach name="Name16" axis="ch" ptType="node">
-            <dgm:choose name="Name17">
-              <dgm:if name="Name18" axis="self" ptType="node" func="pos" op="equ" val="1">
-                <dgm:layoutNode name="vertSpace2a">
-                  <dgm:alg type="sp"/>
-                  <dgm:shape xmlns:r="http://schemas.openxmlformats.org/officeDocument/2006/relationships" r:blip="">
-                    <dgm:adjLst/>
-                  </dgm:shape>
-                  <dgm:presOf/>
-                </dgm:layoutNode>
-              </dgm:if>
-              <dgm:else name="Name19"/>
-            </dgm:choose>
-            <dgm:layoutNode name="horz2">
-              <dgm:choose name="Name20">
-                <dgm:if name="Name21" func="var" arg="dir" op="equ" val="norm">
-                  <dgm:alg type="lin">
-                    <dgm:param type="linDir" val="fromL"/>
-                    <dgm:param type="nodeVertAlign" val="t"/>
-                  </dgm:alg>
-                </dgm:if>
-                <dgm:else name="Name22">
-                  <dgm:alg type="lin">
-                    <dgm:param type="linDir" val="fromR"/>
-                    <dgm:param type="nodeVertAlign" val="t"/>
-                  </dgm:alg>
-                </dgm:else>
-              </dgm:choose>
-              <dgm:shape xmlns:r="http://schemas.openxmlformats.org/officeDocument/2006/relationships" r:blip="">
-                <dgm:adjLst/>
-              </dgm:shape>
-              <dgm:presOf/>
-              <dgm:layoutNode name="horzSpace2">
-                <dgm:alg type="sp"/>
-                <dgm:shape xmlns:r="http://schemas.openxmlformats.org/officeDocument/2006/relationships" r:blip="">
-                  <dgm:adjLst/>
-                </dgm:shape>
-                <dgm:presOf/>
-              </dgm:layoutNode>
-              <dgm:layoutNode name="tx2" styleLbl="revTx">
-                <dgm:alg type="tx">
-                  <dgm:param type="parTxLTRAlign" val="l"/>
-                  <dgm:param type="parTxRTLAlign" val="r"/>
-                  <dgm:param type="txAnchorVert" val="t"/>
-                </dgm:alg>
-                <dgm:shape xmlns:r="http://schemas.openxmlformats.org/officeDocument/2006/relationships" type="rect" r:blip="">
-                  <dgm:adjLst/>
-                </dgm:shape>
-                <dgm:presOf axis="self"/>
-                <dgm:constrLst>
-                  <dgm:constr type="tMarg" refType="primFontSz" fact="0.3"/>
-                  <dgm:constr type="bMarg" refType="primFontSz" fact="0.3"/>
-                  <dgm:constr type="lMarg" refType="primFontSz" fact="0.3"/>
-                  <dgm:constr type="rMarg" refType="primFontSz" fact="0.3"/>
-                </dgm:constrLst>
-                <dgm:ruleLst>
-                  <dgm:rule type="primFontSz" val="5" fact="NaN" max="NaN"/>
-                </dgm:ruleLst>
-              </dgm:layoutNode>
-              <dgm:layoutNode name="vert2">
-                <dgm:choose name="Name23">
-                  <dgm:if name="Name24" func="var" arg="dir" op="equ" val="norm">
-                    <dgm:alg type="lin">
-                      <dgm:param type="linDir" val="fromT"/>
-                      <dgm:param type="nodeHorzAlign" val="l"/>
-                    </dgm:alg>
-                  </dgm:if>
-                  <dgm:else name="Name25">
-                    <dgm:alg type="lin">
-                      <dgm:param type="linDir" val="fromT"/>
-                      <dgm:param type="nodeHorzAlign" val="r"/>
-                    </dgm:alg>
-                  </dgm:else>
-                </dgm:choose>
-                <dgm:shape xmlns:r="http://schemas.openxmlformats.org/officeDocument/2006/relationships" r:blip="">
-                  <dgm:adjLst/>
-                </dgm:shape>
-                <dgm:presOf/>
-                <dgm:forEach name="Name26" axis="ch" ptType="node">
-                  <dgm:layoutNode name="horz3">
-                    <dgm:choose name="Name27">
-                      <dgm:if name="Name28" func="var" arg="dir" op="equ" val="norm">
-                        <dgm:alg type="lin">
-                          <dgm:param type="linDir" val="fromL"/>
-                          <dgm:param type="nodeVertAlign" val="t"/>
-                        </dgm:alg>
-                      </dgm:if>
-                      <dgm:else name="Name29">
-                        <dgm:alg type="lin">
-                          <dgm:param type="linDir" val="fromR"/>
-                          <dgm:param type="nodeVertAlign" val="t"/>
-                        </dgm:alg>
-                      </dgm:else>
-                    </dgm:choose>
-                    <dgm:shape xmlns:r="http://schemas.openxmlformats.org/officeDocument/2006/relationships" r:blip="">
-                      <dgm:adjLst/>
-                    </dgm:shape>
-                    <dgm:presOf/>
-                    <dgm:layoutNode name="horzSpace3">
-                      <dgm:alg type="sp"/>
-                      <dgm:shape xmlns:r="http://schemas.openxmlformats.org/officeDocument/2006/relationships" r:blip="">
-                        <dgm:adjLst/>
-                      </dgm:shape>
-                      <dgm:presOf/>
-                    </dgm:layoutNode>
-                    <dgm:layoutNode name="tx3" styleLbl="revTx">
-                      <dgm:alg type="tx">
-                        <dgm:param type="parTxLTRAlign" val="l"/>
-                        <dgm:param type="parTxRTLAlign" val="r"/>
-                        <dgm:param type="txAnchorVert" val="t"/>
-                      </dgm:alg>
-                      <dgm:shape xmlns:r="http://schemas.openxmlformats.org/officeDocument/2006/relationships" type="rect" r:blip="">
-                        <dgm:adjLst/>
-                      </dgm:shape>
-                      <dgm:presOf axis="self"/>
-                      <dgm:constrLst>
-                        <dgm:constr type="tMarg" refType="primFontSz" fact="0.3"/>
-                        <dgm:constr type="bMarg" refType="primFontSz" fact="0.3"/>
-                        <dgm:constr type="lMarg" refType="primFontSz" fact="0.3"/>
-                        <dgm:constr type="rMarg" refType="primFontSz" fact="0.3"/>
-                      </dgm:constrLst>
-                      <dgm:ruleLst>
-                        <dgm:rule type="primFontSz" val="5" fact="NaN" max="NaN"/>
-                      </dgm:ruleLst>
-                    </dgm:layoutNode>
-                    <dgm:layoutNode name="vert3">
-                      <dgm:choose name="Name30">
-                        <dgm:if name="Name31" func="var" arg="dir" op="equ" val="norm">
-                          <dgm:alg type="lin">
-                            <dgm:param type="linDir" val="fromT"/>
-                            <dgm:param type="nodeHorzAlign" val="l"/>
-                          </dgm:alg>
-                        </dgm:if>
-                        <dgm:else name="Name32">
-                          <dgm:alg type="lin">
-                            <dgm:param type="linDir" val="fromT"/>
-                            <dgm:param type="nodeHorzAlign" val="r"/>
-                          </dgm:alg>
-                        </dgm:else>
-                      </dgm:choose>
-                      <dgm:shape xmlns:r="http://schemas.openxmlformats.org/officeDocument/2006/relationships" r:blip="">
-                        <dgm:adjLst/>
-                      </dgm:shape>
-                      <dgm:presOf/>
-                      <dgm:forEach name="Name33" axis="ch" ptType="node">
-                        <dgm:layoutNode name="horz4">
-                          <dgm:choose name="Name34">
-                            <dgm:if name="Name35" func="var" arg="dir" op="equ" val="norm">
-                              <dgm:alg type="lin">
-                                <dgm:param type="linDir" val="fromL"/>
-                                <dgm:param type="nodeVertAlign" val="t"/>
-                              </dgm:alg>
-                            </dgm:if>
-                            <dgm:else name="Name36">
-                              <dgm:alg type="lin">
-                                <dgm:param type="linDir" val="fromR"/>
-                                <dgm:param type="nodeVertAlign" val="t"/>
-                              </dgm:alg>
-                            </dgm:else>
-                          </dgm:choose>
-                          <dgm:shape xmlns:r="http://schemas.openxmlformats.org/officeDocument/2006/relationships" r:blip="">
-                            <dgm:adjLst/>
-                          </dgm:shape>
-                          <dgm:presOf/>
-                          <dgm:layoutNode name="horzSpace4">
-                            <dgm:alg type="sp"/>
-                            <dgm:shape xmlns:r="http://schemas.openxmlformats.org/officeDocument/2006/relationships" r:blip="">
-                              <dgm:adjLst/>
-                            </dgm:shape>
-                            <dgm:presOf/>
-                          </dgm:layoutNode>
-                          <dgm:layoutNode name="tx4" styleLbl="revTx">
-                            <dgm:varLst>
-                              <dgm:bulletEnabled val="1"/>
-                            </dgm:varLst>
-                            <dgm:alg type="tx">
-                              <dgm:param type="parTxLTRAlign" val="l"/>
-                              <dgm:param type="parTxRTLAlign" val="r"/>
-                              <dgm:param type="txAnchorVert" val="t"/>
-                            </dgm:alg>
-                            <dgm:shape xmlns:r="http://schemas.openxmlformats.org/officeDocument/2006/relationships" type="rect" r:blip="">
-                              <dgm:adjLst/>
-                            </dgm:shape>
-                            <dgm:presOf axis="desOrSelf" ptType="node"/>
-                            <dgm:constrLst>
-                              <dgm:constr type="tMarg" refType="primFontSz" fact="0.3"/>
-                              <dgm:constr type="bMarg" refType="primFontSz" fact="0.3"/>
-                              <dgm:constr type="lMarg" refType="primFontSz" fact="0.3"/>
-                              <dgm:constr type="rMarg" refType="primFontSz" fact="0.3"/>
-                            </dgm:constrLst>
-                            <dgm:ruleLst>
-                              <dgm:rule type="primFontSz" val="5" fact="NaN" max="NaN"/>
-                            </dgm:ruleLst>
-                          </dgm:layoutNode>
-                        </dgm:layoutNode>
-                      </dgm:forEach>
-                    </dgm:layoutNode>
-                  </dgm:layoutNode>
-                  <dgm:forEach name="Name37" axis="followSib" ptType="sibTrans" cnt="1">
-                    <dgm:layoutNode name="thinLine3" styleLbl="callout">
-                      <dgm:alg type="sp"/>
-                      <dgm:shape xmlns:r="http://schemas.openxmlformats.org/officeDocument/2006/relationships" type="line" r:blip="">
-                        <dgm:adjLst/>
-                      </dgm:shape>
-                      <dgm:presOf/>
-                    </dgm:layoutNode>
-                  </dgm:forEach>
-                </dgm:forEach>
-              </dgm:layoutNode>
-            </dgm:layoutNode>
-            <dgm:layoutNode name="thinLine2b" styleLbl="callout">
-              <dgm:alg type="sp"/>
-              <dgm:shape xmlns:r="http://schemas.openxmlformats.org/officeDocument/2006/relationships" type="line" r:blip="">
-                <dgm:adjLst/>
-              </dgm:shape>
-              <dgm:presOf/>
-            </dgm:layoutNode>
-            <dgm:layoutNode name="vertSpace2b">
-              <dgm:alg type="sp"/>
-              <dgm:shape xmlns:r="http://schemas.openxmlformats.org/officeDocument/2006/relationships" r:blip="">
-                <dgm:adjLst/>
-              </dgm:shape>
-              <dgm:presOf/>
-            </dgm:layoutNode>
-          </dgm:forEach>
+          <dgm:presOf axis="self"/>
+          <dgm:constrLst/>
+          <dgm:ruleLst/>
         </dgm:layoutNode>
-      </dgm:layoutNode>
+      </dgm:forEach>
     </dgm:forEach>
   </dgm:layoutNode>
+  <dgm:extLst>
+    <a:ext uri="{68A01E43-0DF5-4B5B-8FA6-DAF915123BFB}">
+      <dgm1612:lstStyle xmlns:dgm1612="http://schemas.microsoft.com/office/drawing/2016/12/diagram">
+        <a:lvl1pPr>
+          <a:lnSpc>
+            <a:spcPct val="100000"/>
+          </a:lnSpc>
+          <a:defRPr cap="all"/>
+        </a:lvl1pPr>
+      </dgm1612:lstStyle>
+    </a:ext>
+  </dgm:extLst>
 </dgm:layoutDef>
 </file>
 
@@ -5847,11 +5998,11 @@
 </file>
 
 <file path=ppt/diagrams/quickStyle1.xml><?xml version="1.0" encoding="utf-8"?>
-<dgm:styleDef xmlns:dgm="http://schemas.openxmlformats.org/drawingml/2006/diagram" xmlns:a="http://schemas.openxmlformats.org/drawingml/2006/main" uniqueId="urn:microsoft.com/office/officeart/2005/8/quickstyle/simple4">
+<dgm:styleDef xmlns:dgm="http://schemas.openxmlformats.org/drawingml/2006/diagram" xmlns:a="http://schemas.openxmlformats.org/drawingml/2006/main" uniqueId="urn:microsoft.com/office/officeart/2005/8/quickstyle/simple1">
   <dgm:title val=""/>
   <dgm:desc val=""/>
   <dgm:catLst>
-    <dgm:cat type="simple" pri="10400"/>
+    <dgm:cat type="simple" pri="10100"/>
   </dgm:catLst>
   <dgm:scene3d>
     <a:camera prst="orthographicFront"/>
@@ -5865,13 +6016,13 @@
     <dgm:sp3d/>
     <dgm:txPr/>
     <dgm:style>
-      <a:lnRef idx="0">
+      <a:lnRef idx="2">
         <a:scrgbClr r="0" g="0" b="0"/>
       </a:lnRef>
-      <a:fillRef idx="3">
+      <a:fillRef idx="1">
         <a:scrgbClr r="0" g="0" b="0"/>
       </a:fillRef>
-      <a:effectRef idx="2">
+      <a:effectRef idx="0">
         <a:scrgbClr r="0" g="0" b="0"/>
       </a:effectRef>
       <a:fontRef idx="minor">
@@ -5887,13 +6038,13 @@
     <dgm:sp3d/>
     <dgm:txPr/>
     <dgm:style>
-      <a:lnRef idx="1">
+      <a:lnRef idx="2">
         <a:scrgbClr r="0" g="0" b="0"/>
       </a:lnRef>
-      <a:fillRef idx="3">
+      <a:fillRef idx="1">
         <a:scrgbClr r="0" g="0" b="0"/>
       </a:fillRef>
-      <a:effectRef idx="2">
+      <a:effectRef idx="0">
         <a:scrgbClr r="0" g="0" b="0"/>
       </a:effectRef>
       <a:fontRef idx="minor">
@@ -5909,10 +6060,10 @@
     <dgm:sp3d/>
     <dgm:txPr/>
     <dgm:style>
-      <a:lnRef idx="0">
+      <a:lnRef idx="2">
         <a:scrgbClr r="0" g="0" b="0"/>
       </a:lnRef>
-      <a:fillRef idx="3">
+      <a:fillRef idx="1">
         <a:scrgbClr r="0" g="0" b="0"/>
       </a:fillRef>
       <a:effectRef idx="0">
@@ -5931,13 +6082,13 @@
     <dgm:sp3d/>
     <dgm:txPr/>
     <dgm:style>
-      <a:lnRef idx="1">
+      <a:lnRef idx="2">
         <a:scrgbClr r="0" g="0" b="0"/>
       </a:lnRef>
-      <a:fillRef idx="3">
+      <a:fillRef idx="1">
         <a:scrgbClr r="0" g="0" b="0"/>
       </a:fillRef>
-      <a:effectRef idx="2">
+      <a:effectRef idx="0">
         <a:scrgbClr r="0" g="0" b="0"/>
       </a:effectRef>
       <a:fontRef idx="minor">
@@ -5953,13 +6104,13 @@
     <dgm:sp3d/>
     <dgm:txPr/>
     <dgm:style>
-      <a:lnRef idx="0">
+      <a:lnRef idx="2">
         <a:scrgbClr r="0" g="0" b="0"/>
       </a:lnRef>
-      <a:fillRef idx="3">
+      <a:fillRef idx="1">
         <a:scrgbClr r="0" g="0" b="0"/>
       </a:fillRef>
-      <a:effectRef idx="2">
+      <a:effectRef idx="0">
         <a:scrgbClr r="0" g="0" b="0"/>
       </a:effectRef>
       <a:fontRef idx="minor">
@@ -5975,13 +6126,13 @@
     <dgm:sp3d/>
     <dgm:txPr/>
     <dgm:style>
-      <a:lnRef idx="0">
+      <a:lnRef idx="2">
         <a:scrgbClr r="0" g="0" b="0"/>
       </a:lnRef>
-      <a:fillRef idx="3">
+      <a:fillRef idx="1">
         <a:scrgbClr r="0" g="0" b="0"/>
       </a:fillRef>
-      <a:effectRef idx="2">
+      <a:effectRef idx="0">
         <a:scrgbClr r="0" g="0" b="0"/>
       </a:effectRef>
       <a:fontRef idx="minor">
@@ -5997,13 +6148,13 @@
     <dgm:sp3d/>
     <dgm:txPr/>
     <dgm:style>
-      <a:lnRef idx="0">
+      <a:lnRef idx="2">
         <a:scrgbClr r="0" g="0" b="0"/>
       </a:lnRef>
-      <a:fillRef idx="3">
+      <a:fillRef idx="1">
         <a:scrgbClr r="0" g="0" b="0"/>
       </a:fillRef>
-      <a:effectRef idx="2">
+      <a:effectRef idx="0">
         <a:scrgbClr r="0" g="0" b="0"/>
       </a:effectRef>
       <a:fontRef idx="minor">
@@ -6019,13 +6170,13 @@
     <dgm:sp3d/>
     <dgm:txPr/>
     <dgm:style>
-      <a:lnRef idx="0">
+      <a:lnRef idx="2">
         <a:scrgbClr r="0" g="0" b="0"/>
       </a:lnRef>
-      <a:fillRef idx="3">
+      <a:fillRef idx="1">
         <a:scrgbClr r="0" g="0" b="0"/>
       </a:fillRef>
-      <a:effectRef idx="2">
+      <a:effectRef idx="0">
         <a:scrgbClr r="0" g="0" b="0"/>
       </a:effectRef>
       <a:fontRef idx="minor">
@@ -6041,13 +6192,13 @@
     <dgm:sp3d/>
     <dgm:txPr/>
     <dgm:style>
-      <a:lnRef idx="0">
+      <a:lnRef idx="2">
         <a:scrgbClr r="0" g="0" b="0"/>
       </a:lnRef>
       <a:fillRef idx="1">
         <a:scrgbClr r="0" g="0" b="0"/>
       </a:fillRef>
-      <a:effectRef idx="2">
+      <a:effectRef idx="0">
         <a:scrgbClr r="0" g="0" b="0"/>
       </a:effectRef>
       <a:fontRef idx="minor"/>
@@ -6061,13 +6212,13 @@
     <dgm:sp3d/>
     <dgm:txPr/>
     <dgm:style>
-      <a:lnRef idx="0">
+      <a:lnRef idx="2">
         <a:scrgbClr r="0" g="0" b="0"/>
       </a:lnRef>
       <a:fillRef idx="1">
         <a:scrgbClr r="0" g="0" b="0"/>
       </a:fillRef>
-      <a:effectRef idx="2">
+      <a:effectRef idx="0">
         <a:scrgbClr r="0" g="0" b="0"/>
       </a:effectRef>
       <a:fontRef idx="minor"/>
@@ -6081,13 +6232,13 @@
     <dgm:sp3d/>
     <dgm:txPr/>
     <dgm:style>
-      <a:lnRef idx="0">
+      <a:lnRef idx="2">
         <a:scrgbClr r="0" g="0" b="0"/>
       </a:lnRef>
       <a:fillRef idx="1">
         <a:scrgbClr r="0" g="0" b="0"/>
       </a:fillRef>
-      <a:effectRef idx="2">
+      <a:effectRef idx="0">
         <a:scrgbClr r="0" g="0" b="0"/>
       </a:effectRef>
       <a:fontRef idx="minor"/>
@@ -6104,10 +6255,10 @@
       <a:lnRef idx="0">
         <a:scrgbClr r="0" g="0" b="0"/>
       </a:lnRef>
-      <a:fillRef idx="3">
+      <a:fillRef idx="1">
         <a:scrgbClr r="0" g="0" b="0"/>
       </a:fillRef>
-      <a:effectRef idx="2">
+      <a:effectRef idx="0">
         <a:scrgbClr r="0" g="0" b="0"/>
       </a:effectRef>
       <a:fontRef idx="minor">
@@ -6126,10 +6277,10 @@
       <a:lnRef idx="0">
         <a:scrgbClr r="0" g="0" b="0"/>
       </a:lnRef>
-      <a:fillRef idx="3">
+      <a:fillRef idx="1">
         <a:scrgbClr r="0" g="0" b="0"/>
       </a:fillRef>
-      <a:effectRef idx="2">
+      <a:effectRef idx="0">
         <a:scrgbClr r="0" g="0" b="0"/>
       </a:effectRef>
       <a:fontRef idx="minor">
@@ -6148,10 +6299,10 @@
       <a:lnRef idx="0">
         <a:scrgbClr r="0" g="0" b="0"/>
       </a:lnRef>
-      <a:fillRef idx="3">
+      <a:fillRef idx="1">
         <a:scrgbClr r="0" g="0" b="0"/>
       </a:fillRef>
-      <a:effectRef idx="2">
+      <a:effectRef idx="0">
         <a:scrgbClr r="0" g="0" b="0"/>
       </a:effectRef>
       <a:fontRef idx="minor">
@@ -6193,7 +6344,7 @@
       <a:fillRef idx="1">
         <a:scrgbClr r="0" g="0" b="0"/>
       </a:fillRef>
-      <a:effectRef idx="1">
+      <a:effectRef idx="0">
         <a:scrgbClr r="0" g="0" b="0"/>
       </a:effectRef>
       <a:fontRef idx="minor"/>
@@ -6207,13 +6358,13 @@
     <dgm:sp3d/>
     <dgm:txPr/>
     <dgm:style>
-      <a:lnRef idx="0">
+      <a:lnRef idx="2">
         <a:scrgbClr r="0" g="0" b="0"/>
       </a:lnRef>
-      <a:fillRef idx="3">
+      <a:fillRef idx="1">
         <a:scrgbClr r="0" g="0" b="0"/>
       </a:fillRef>
-      <a:effectRef idx="2">
+      <a:effectRef idx="0">
         <a:scrgbClr r="0" g="0" b="0"/>
       </a:effectRef>
       <a:fontRef idx="minor">
@@ -6229,13 +6380,13 @@
     <dgm:sp3d/>
     <dgm:txPr/>
     <dgm:style>
-      <a:lnRef idx="0">
+      <a:lnRef idx="2">
         <a:scrgbClr r="0" g="0" b="0"/>
       </a:lnRef>
-      <a:fillRef idx="3">
+      <a:fillRef idx="1">
         <a:scrgbClr r="0" g="0" b="0"/>
       </a:fillRef>
-      <a:effectRef idx="2">
+      <a:effectRef idx="0">
         <a:scrgbClr r="0" g="0" b="0"/>
       </a:effectRef>
       <a:fontRef idx="minor">
@@ -6251,13 +6402,13 @@
     <dgm:sp3d/>
     <dgm:txPr/>
     <dgm:style>
-      <a:lnRef idx="0">
+      <a:lnRef idx="2">
         <a:scrgbClr r="0" g="0" b="0"/>
       </a:lnRef>
-      <a:fillRef idx="3">
+      <a:fillRef idx="1">
         <a:scrgbClr r="0" g="0" b="0"/>
       </a:fillRef>
-      <a:effectRef idx="2">
+      <a:effectRef idx="0">
         <a:scrgbClr r="0" g="0" b="0"/>
       </a:effectRef>
       <a:fontRef idx="minor">
@@ -6273,13 +6424,13 @@
     <dgm:sp3d/>
     <dgm:txPr/>
     <dgm:style>
-      <a:lnRef idx="0">
+      <a:lnRef idx="2">
         <a:scrgbClr r="0" g="0" b="0"/>
       </a:lnRef>
-      <a:fillRef idx="3">
+      <a:fillRef idx="1">
         <a:scrgbClr r="0" g="0" b="0"/>
       </a:fillRef>
-      <a:effectRef idx="2">
+      <a:effectRef idx="0">
         <a:scrgbClr r="0" g="0" b="0"/>
       </a:effectRef>
       <a:fontRef idx="minor">
@@ -6295,13 +6446,13 @@
     <dgm:sp3d/>
     <dgm:txPr/>
     <dgm:style>
-      <a:lnRef idx="0">
+      <a:lnRef idx="2">
         <a:scrgbClr r="0" g="0" b="0"/>
       </a:lnRef>
-      <a:fillRef idx="3">
+      <a:fillRef idx="1">
         <a:scrgbClr r="0" g="0" b="0"/>
       </a:fillRef>
-      <a:effectRef idx="2">
+      <a:effectRef idx="0">
         <a:scrgbClr r="0" g="0" b="0"/>
       </a:effectRef>
       <a:fontRef idx="minor">
@@ -6317,13 +6468,13 @@
     <dgm:sp3d/>
     <dgm:txPr/>
     <dgm:style>
-      <a:lnRef idx="0">
+      <a:lnRef idx="2">
         <a:scrgbClr r="0" g="0" b="0"/>
       </a:lnRef>
-      <a:fillRef idx="3">
+      <a:fillRef idx="1">
         <a:scrgbClr r="0" g="0" b="0"/>
       </a:fillRef>
-      <a:effectRef idx="2">
+      <a:effectRef idx="0">
         <a:scrgbClr r="0" g="0" b="0"/>
       </a:effectRef>
       <a:fontRef idx="minor">
@@ -6339,13 +6490,13 @@
     <dgm:sp3d/>
     <dgm:txPr/>
     <dgm:style>
-      <a:lnRef idx="0">
+      <a:lnRef idx="2">
         <a:scrgbClr r="0" g="0" b="0"/>
       </a:lnRef>
-      <a:fillRef idx="3">
+      <a:fillRef idx="1">
         <a:scrgbClr r="0" g="0" b="0"/>
       </a:fillRef>
-      <a:effectRef idx="2">
+      <a:effectRef idx="0">
         <a:scrgbClr r="0" g="0" b="0"/>
       </a:effectRef>
       <a:fontRef idx="minor">
@@ -6361,13 +6512,13 @@
     <dgm:sp3d/>
     <dgm:txPr/>
     <dgm:style>
-      <a:lnRef idx="1">
+      <a:lnRef idx="2">
         <a:scrgbClr r="0" g="0" b="0"/>
       </a:lnRef>
-      <a:fillRef idx="3">
+      <a:fillRef idx="1">
         <a:scrgbClr r="0" g="0" b="0"/>
       </a:fillRef>
-      <a:effectRef idx="2">
+      <a:effectRef idx="0">
         <a:scrgbClr r="0" g="0" b="0"/>
       </a:effectRef>
       <a:fontRef idx="minor">
@@ -6383,13 +6534,13 @@
     <dgm:sp3d/>
     <dgm:txPr/>
     <dgm:style>
-      <a:lnRef idx="1">
+      <a:lnRef idx="2">
         <a:scrgbClr r="0" g="0" b="0"/>
       </a:lnRef>
-      <a:fillRef idx="3">
+      <a:fillRef idx="1">
         <a:scrgbClr r="0" g="0" b="0"/>
       </a:fillRef>
-      <a:effectRef idx="2">
+      <a:effectRef idx="0">
         <a:scrgbClr r="0" g="0" b="0"/>
       </a:effectRef>
       <a:fontRef idx="minor">
@@ -6405,7 +6556,7 @@
     <dgm:sp3d/>
     <dgm:txPr/>
     <dgm:style>
-      <a:lnRef idx="1">
+      <a:lnRef idx="2">
         <a:scrgbClr r="0" g="0" b="0"/>
       </a:lnRef>
       <a:fillRef idx="0">
@@ -6425,7 +6576,7 @@
     <dgm:sp3d/>
     <dgm:txPr/>
     <dgm:style>
-      <a:lnRef idx="1">
+      <a:lnRef idx="2">
         <a:scrgbClr r="0" g="0" b="0"/>
       </a:lnRef>
       <a:fillRef idx="0">
@@ -6445,7 +6596,7 @@
     <dgm:sp3d/>
     <dgm:txPr/>
     <dgm:style>
-      <a:lnRef idx="1">
+      <a:lnRef idx="2">
         <a:scrgbClr r="0" g="0" b="0"/>
       </a:lnRef>
       <a:fillRef idx="0">
@@ -6465,7 +6616,7 @@
     <dgm:sp3d/>
     <dgm:txPr/>
     <dgm:style>
-      <a:lnRef idx="1">
+      <a:lnRef idx="2">
         <a:scrgbClr r="0" g="0" b="0"/>
       </a:lnRef>
       <a:fillRef idx="0">
@@ -6485,7 +6636,7 @@
     <dgm:sp3d/>
     <dgm:txPr/>
     <dgm:style>
-      <a:lnRef idx="1">
+      <a:lnRef idx="2">
         <a:scrgbClr r="0" g="0" b="0"/>
       </a:lnRef>
       <a:fillRef idx="1">
@@ -6505,7 +6656,7 @@
     <dgm:sp3d/>
     <dgm:txPr/>
     <dgm:style>
-      <a:lnRef idx="1">
+      <a:lnRef idx="2">
         <a:scrgbClr r="0" g="0" b="0"/>
       </a:lnRef>
       <a:fillRef idx="1">
@@ -6525,7 +6676,7 @@
     <dgm:sp3d/>
     <dgm:txPr/>
     <dgm:style>
-      <a:lnRef idx="1">
+      <a:lnRef idx="2">
         <a:scrgbClr r="0" g="0" b="0"/>
       </a:lnRef>
       <a:fillRef idx="1">
@@ -6565,7 +6716,7 @@
     <dgm:sp3d/>
     <dgm:txPr/>
     <dgm:style>
-      <a:lnRef idx="1">
+      <a:lnRef idx="2">
         <a:scrgbClr r="0" g="0" b="0"/>
       </a:lnRef>
       <a:fillRef idx="1">
@@ -6585,7 +6736,7 @@
     <dgm:sp3d/>
     <dgm:txPr/>
     <dgm:style>
-      <a:lnRef idx="1">
+      <a:lnRef idx="2">
         <a:scrgbClr r="0" g="0" b="0"/>
       </a:lnRef>
       <a:fillRef idx="1">
@@ -6605,7 +6756,7 @@
     <dgm:sp3d/>
     <dgm:txPr/>
     <dgm:style>
-      <a:lnRef idx="1">
+      <a:lnRef idx="2">
         <a:scrgbClr r="0" g="0" b="0"/>
       </a:lnRef>
       <a:fillRef idx="1">
@@ -6625,7 +6776,7 @@
     <dgm:sp3d/>
     <dgm:txPr/>
     <dgm:style>
-      <a:lnRef idx="1">
+      <a:lnRef idx="2">
         <a:scrgbClr r="0" g="0" b="0"/>
       </a:lnRef>
       <a:fillRef idx="1">
@@ -6645,7 +6796,7 @@
     <dgm:sp3d/>
     <dgm:txPr/>
     <dgm:style>
-      <a:lnRef idx="1">
+      <a:lnRef idx="2">
         <a:scrgbClr r="0" g="0" b="0"/>
       </a:lnRef>
       <a:fillRef idx="1">
@@ -6665,7 +6816,7 @@
     <dgm:sp3d/>
     <dgm:txPr/>
     <dgm:style>
-      <a:lnRef idx="1">
+      <a:lnRef idx="2">
         <a:scrgbClr r="0" g="0" b="0"/>
       </a:lnRef>
       <a:fillRef idx="1">
@@ -6685,7 +6836,7 @@
     <dgm:sp3d/>
     <dgm:txPr/>
     <dgm:style>
-      <a:lnRef idx="1">
+      <a:lnRef idx="2">
         <a:scrgbClr r="0" g="0" b="0"/>
       </a:lnRef>
       <a:fillRef idx="1">
@@ -6705,7 +6856,7 @@
     <dgm:sp3d/>
     <dgm:txPr/>
     <dgm:style>
-      <a:lnRef idx="1">
+      <a:lnRef idx="2">
         <a:scrgbClr r="0" g="0" b="0"/>
       </a:lnRef>
       <a:fillRef idx="1">
@@ -6725,7 +6876,7 @@
     <dgm:sp3d/>
     <dgm:txPr/>
     <dgm:style>
-      <a:lnRef idx="1">
+      <a:lnRef idx="2">
         <a:scrgbClr r="0" g="0" b="0"/>
       </a:lnRef>
       <a:fillRef idx="1">
@@ -6745,7 +6896,7 @@
     <dgm:sp3d/>
     <dgm:txPr/>
     <dgm:style>
-      <a:lnRef idx="1">
+      <a:lnRef idx="2">
         <a:scrgbClr r="0" g="0" b="0"/>
       </a:lnRef>
       <a:fillRef idx="1">
@@ -6765,7 +6916,7 @@
     <dgm:sp3d/>
     <dgm:txPr/>
     <dgm:style>
-      <a:lnRef idx="1">
+      <a:lnRef idx="2">
         <a:scrgbClr r="0" g="0" b="0"/>
       </a:lnRef>
       <a:fillRef idx="1">
@@ -6791,7 +6942,7 @@
       <a:fillRef idx="1">
         <a:scrgbClr r="0" g="0" b="0"/>
       </a:fillRef>
-      <a:effectRef idx="2">
+      <a:effectRef idx="0">
         <a:scrgbClr r="0" g="0" b="0"/>
       </a:effectRef>
       <a:fontRef idx="minor"/>
@@ -6811,7 +6962,7 @@
       <a:fillRef idx="1">
         <a:scrgbClr r="0" g="0" b="0"/>
       </a:fillRef>
-      <a:effectRef idx="2">
+      <a:effectRef idx="0">
         <a:scrgbClr r="0" g="0" b="0"/>
       </a:effectRef>
       <a:fontRef idx="minor"/>
@@ -6845,13 +6996,13 @@
     <dgm:sp3d/>
     <dgm:txPr/>
     <dgm:style>
-      <a:lnRef idx="0">
+      <a:lnRef idx="2">
         <a:scrgbClr r="0" g="0" b="0"/>
       </a:lnRef>
-      <a:fillRef idx="3">
+      <a:fillRef idx="1">
         <a:scrgbClr r="0" g="0" b="0"/>
       </a:fillRef>
-      <a:effectRef idx="2">
+      <a:effectRef idx="0">
         <a:scrgbClr r="0" g="0" b="0"/>
       </a:effectRef>
       <a:fontRef idx="minor"/>
@@ -9323,7 +9474,7 @@
           <a:p>
             <a:fld id="{14DFC975-2FD7-44A5-9E78-ECBA46156075}" type="slidenum">
               <a:rPr lang="en-US" smtClean="0"/>
-              <a:t>‹#›</a:t>
+              <a:t>‹nº›</a:t>
             </a:fld>
             <a:endParaRPr lang="en-US"/>
           </a:p>
@@ -9533,7 +9684,7 @@
           <a:p>
             <a:fld id="{14DFC975-2FD7-44A5-9E78-ECBA46156075}" type="slidenum">
               <a:rPr lang="en-US" smtClean="0"/>
-              <a:t>‹#›</a:t>
+              <a:t>‹nº›</a:t>
             </a:fld>
             <a:endParaRPr lang="en-US"/>
           </a:p>
@@ -9905,7 +10056,7 @@
           <a:p>
             <a:fld id="{14DFC975-2FD7-44A5-9E78-ECBA46156075}" type="slidenum">
               <a:rPr lang="en-US" smtClean="0"/>
-              <a:t>‹#›</a:t>
+              <a:t>‹nº›</a:t>
             </a:fld>
             <a:endParaRPr lang="en-US"/>
           </a:p>
@@ -10267,7 +10418,7 @@
           <a:p>
             <a:fld id="{14DFC975-2FD7-44A5-9E78-ECBA46156075}" type="slidenum">
               <a:rPr lang="en-US" smtClean="0"/>
-              <a:t>‹#›</a:t>
+              <a:t>‹nº›</a:t>
             </a:fld>
             <a:endParaRPr lang="en-US"/>
           </a:p>
@@ -10712,7 +10863,7 @@
           <a:p>
             <a:fld id="{14DFC975-2FD7-44A5-9E78-ECBA46156075}" type="slidenum">
               <a:rPr lang="en-US" smtClean="0"/>
-              <a:t>‹#›</a:t>
+              <a:t>‹nº›</a:t>
             </a:fld>
             <a:endParaRPr lang="en-US"/>
           </a:p>
@@ -11147,7 +11298,7 @@
           <a:p>
             <a:fld id="{14DFC975-2FD7-44A5-9E78-ECBA46156075}" type="slidenum">
               <a:rPr lang="en-US" smtClean="0"/>
-              <a:t>‹#›</a:t>
+              <a:t>‹nº›</a:t>
             </a:fld>
             <a:endParaRPr lang="en-US"/>
           </a:p>
@@ -11755,7 +11906,7 @@
           <a:p>
             <a:fld id="{14DFC975-2FD7-44A5-9E78-ECBA46156075}" type="slidenum">
               <a:rPr lang="en-US" smtClean="0"/>
-              <a:t>‹#›</a:t>
+              <a:t>‹nº›</a:t>
             </a:fld>
             <a:endParaRPr lang="en-US"/>
           </a:p>
@@ -12060,7 +12211,7 @@
           <a:p>
             <a:fld id="{14DFC975-2FD7-44A5-9E78-ECBA46156075}" type="slidenum">
               <a:rPr lang="en-US" smtClean="0"/>
-              <a:t>‹#›</a:t>
+              <a:t>‹nº›</a:t>
             </a:fld>
             <a:endParaRPr lang="en-US"/>
           </a:p>
@@ -12337,7 +12488,7 @@
           <a:p>
             <a:fld id="{14DFC975-2FD7-44A5-9E78-ECBA46156075}" type="slidenum">
               <a:rPr lang="en-US" smtClean="0"/>
-              <a:t>‹#›</a:t>
+              <a:t>‹nº›</a:t>
             </a:fld>
             <a:endParaRPr lang="en-US"/>
           </a:p>
@@ -12814,7 +12965,7 @@
           <a:p>
             <a:fld id="{14DFC975-2FD7-44A5-9E78-ECBA46156075}" type="slidenum">
               <a:rPr lang="en-US" smtClean="0"/>
-              <a:t>‹#›</a:t>
+              <a:t>‹nº›</a:t>
             </a:fld>
             <a:endParaRPr lang="en-US"/>
           </a:p>
@@ -13269,7 +13420,7 @@
           <a:p>
             <a:fld id="{14DFC975-2FD7-44A5-9E78-ECBA46156075}" type="slidenum">
               <a:rPr lang="en-US" smtClean="0"/>
-              <a:t>‹#›</a:t>
+              <a:t>‹nº›</a:t>
             </a:fld>
             <a:endParaRPr lang="en-US"/>
           </a:p>
@@ -13712,7 +13863,7 @@
             <a:fld id="{14DFC975-2FD7-44A5-9E78-ECBA46156075}" type="slidenum">
               <a:rPr lang="en-US" smtClean="0"/>
               <a:pPr/>
-              <a:t>‹#›</a:t>
+              <a:t>‹nº›</a:t>
             </a:fld>
             <a:endParaRPr lang="en-US"/>
           </a:p>
@@ -14902,15 +15053,15 @@
       </p:sp>
       <p:pic>
         <p:nvPicPr>
-          <p:cNvPr id="1026" name="Picture 2" descr="A black cable plugged into a wall&#10;&#10;AI-generated content may be incorrect.">
+          <p:cNvPr id="4" name="Imagem 3" descr="Uma imagem com eletrónica, Dispositivo eletrónico, relógio, texto&#10;&#10;Os conteúdos gerados por IA poderão estar incorretos.">
             <a:extLst>
               <a:ext uri="{FF2B5EF4-FFF2-40B4-BE49-F238E27FC236}">
-                <a16:creationId xmlns:a16="http://schemas.microsoft.com/office/drawing/2014/main" id="{577B5188-3052-8D55-7BCA-85EBF2232A2E}"/>
+                <a16:creationId xmlns:a16="http://schemas.microsoft.com/office/drawing/2014/main" id="{42713283-3C64-0064-95B4-961C2FBCE738}"/>
               </a:ext>
             </a:extLst>
           </p:cNvPr>
           <p:cNvPicPr>
-            <a:picLocks noChangeAspect="1" noChangeArrowheads="1"/>
+            <a:picLocks noChangeAspect="1"/>
           </p:cNvPicPr>
           <p:nvPr/>
         </p:nvPicPr>
@@ -14922,27 +15073,18 @@
               </a:ext>
             </a:extLst>
           </a:blip>
-          <a:srcRect l="2425" r="-2" b="-2"/>
-          <a:stretch/>
+          <a:stretch>
+            <a:fillRect/>
+          </a:stretch>
         </p:blipFill>
-        <p:spPr bwMode="auto">
+        <p:spPr>
           <a:xfrm>
-            <a:off x="6038059" y="565150"/>
-            <a:ext cx="5588782" cy="5727699"/>
+            <a:off x="6256421" y="768298"/>
+            <a:ext cx="5178391" cy="5321404"/>
           </a:xfrm>
           <a:prstGeom prst="rect">
             <a:avLst/>
           </a:prstGeom>
-          <a:noFill/>
-          <a:extLst>
-            <a:ext uri="{909E8E84-426E-40DD-AFC4-6F175D3DCCD1}">
-              <a14:hiddenFill xmlns:a14="http://schemas.microsoft.com/office/drawing/2010/main">
-                <a:solidFill>
-                  <a:srgbClr val="FFFFFF"/>
-                </a:solidFill>
-              </a14:hiddenFill>
-            </a:ext>
-          </a:extLst>
         </p:spPr>
       </p:pic>
     </p:spTree>
@@ -14997,10 +15139,10 @@
       </p:grpSpPr>
       <p:sp useBgFill="1">
         <p:nvSpPr>
-          <p:cNvPr id="15" name="Rectangle 14">
+          <p:cNvPr id="44" name="Rectangle 43">
             <a:extLst>
               <a:ext uri="{FF2B5EF4-FFF2-40B4-BE49-F238E27FC236}">
-                <a16:creationId xmlns:a16="http://schemas.microsoft.com/office/drawing/2014/main" id="{C868C70C-E5C4-CD47-888C-FCB3373B6D38}"/>
+                <a16:creationId xmlns:a16="http://schemas.microsoft.com/office/drawing/2014/main" id="{23BB7E73-E730-42EA-AACE-D1E323EA547E}"/>
               </a:ext>
               <a:ext uri="{C183D7F6-B498-43B3-948B-1728B52AA6E4}">
                 <adec:decorative xmlns:adec="http://schemas.microsoft.com/office/drawing/2017/decorative" val="1"/>
@@ -15020,7 +15162,7 @@
         </p:nvSpPr>
         <p:spPr>
           <a:xfrm>
-            <a:off x="0" y="0"/>
+            <a:off x="3048" y="0"/>
             <a:ext cx="12188952" cy="6858000"/>
           </a:xfrm>
           <a:prstGeom prst="rect">
@@ -15057,10 +15199,10 @@
       </p:sp>
       <p:sp>
         <p:nvSpPr>
-          <p:cNvPr id="16" name="Rectangle 15">
+          <p:cNvPr id="46" name="Rectangle 45">
             <a:extLst>
               <a:ext uri="{FF2B5EF4-FFF2-40B4-BE49-F238E27FC236}">
-                <a16:creationId xmlns:a16="http://schemas.microsoft.com/office/drawing/2014/main" id="{15A8DDA3-B4FC-D445-AA06-C92ABAE24BAB}"/>
+                <a16:creationId xmlns:a16="http://schemas.microsoft.com/office/drawing/2014/main" id="{F1F6C2E9-B316-4410-88E5-74F044FC3575}"/>
               </a:ext>
               <a:ext uri="{C183D7F6-B498-43B3-948B-1728B52AA6E4}">
                 <adec:decorative xmlns:adec="http://schemas.microsoft.com/office/drawing/2017/decorative" val="1"/>
@@ -15080,8 +15222,8 @@
         </p:nvSpPr>
         <p:spPr>
           <a:xfrm>
-            <a:off x="1388543" y="5476671"/>
-            <a:ext cx="2770698" cy="1381329"/>
+            <a:off x="0" y="565153"/>
+            <a:ext cx="1133856" cy="6292847"/>
           </a:xfrm>
           <a:prstGeom prst="rect">
             <a:avLst/>
@@ -15143,17 +15285,17 @@
           <a:bodyPr rtlCol="0" anchor="ctr"/>
           <a:lstStyle/>
           <a:p>
-            <a:pPr lvl="0" algn="ctr"/>
+            <a:pPr algn="ctr"/>
             <a:endParaRPr lang="en-US"/>
           </a:p>
         </p:txBody>
       </p:sp>
       <p:sp>
         <p:nvSpPr>
-          <p:cNvPr id="17" name="Rectangle 16">
+          <p:cNvPr id="48" name="Rectangle 47">
             <a:extLst>
               <a:ext uri="{FF2B5EF4-FFF2-40B4-BE49-F238E27FC236}">
-                <a16:creationId xmlns:a16="http://schemas.microsoft.com/office/drawing/2014/main" id="{9FD0692D-A304-5E4A-BCD9-C00690321FBC}"/>
+                <a16:creationId xmlns:a16="http://schemas.microsoft.com/office/drawing/2014/main" id="{83D07262-43A6-451F-9B19-77B943C6399D}"/>
               </a:ext>
               <a:ext uri="{C183D7F6-B498-43B3-948B-1728B52AA6E4}">
                 <adec:decorative xmlns:adec="http://schemas.microsoft.com/office/drawing/2017/decorative" val="1"/>
@@ -15173,8 +15315,8 @@
         </p:nvSpPr>
         <p:spPr>
           <a:xfrm>
-            <a:off x="1388542" y="4101177"/>
-            <a:ext cx="1373567" cy="2756824"/>
+            <a:off x="0" y="1"/>
+            <a:ext cx="565150" cy="6857999"/>
           </a:xfrm>
           <a:prstGeom prst="rect">
             <a:avLst/>
@@ -15196,7 +15338,7 @@
                   <a:alpha val="60000"/>
                 </a:schemeClr>
               </a:gs>
-              <a:gs pos="50000">
+              <a:gs pos="49000">
                 <a:schemeClr val="accent3">
                   <a:alpha val="55000"/>
                 </a:schemeClr>
@@ -15236,7 +15378,7 @@
           <a:bodyPr rtlCol="0" anchor="ctr"/>
           <a:lstStyle/>
           <a:p>
-            <a:pPr lvl="0" algn="ctr"/>
+            <a:pPr algn="ctr"/>
             <a:endParaRPr lang="en-US"/>
           </a:p>
         </p:txBody>
@@ -15259,8 +15401,8 @@
         </p:nvSpPr>
         <p:spPr>
           <a:xfrm>
-            <a:off x="1388542" y="455362"/>
-            <a:ext cx="3183457" cy="3392972"/>
+            <a:off x="1587710" y="455362"/>
+            <a:ext cx="9486690" cy="1550419"/>
           </a:xfrm>
         </p:spPr>
         <p:txBody>
@@ -15270,7 +15412,7 @@
           <a:lstStyle/>
           <a:p>
             <a:r>
-              <a:rPr lang="pt-PT" sz="2800"/>
+              <a:rPr lang="pt-PT"/>
               <a:t>Funcionalidades do Produto</a:t>
             </a:r>
           </a:p>
@@ -15292,14 +15434,14 @@
             <p:ph idx="1"/>
             <p:extLst>
               <p:ext uri="{D42A27DB-BD31-4B8C-83A1-F6EECF244321}">
-                <p14:modId xmlns:p14="http://schemas.microsoft.com/office/powerpoint/2010/main" val="3307638343"/>
+                <p14:modId xmlns:p14="http://schemas.microsoft.com/office/powerpoint/2010/main" val="1285494973"/>
               </p:ext>
             </p:extLst>
           </p:nvPr>
         </p:nvGraphicFramePr>
         <p:xfrm>
-          <a:off x="5224244" y="409518"/>
-          <a:ext cx="6034656" cy="5632254"/>
+          <a:off x="1587500" y="2160588"/>
+          <a:ext cx="9486900" cy="3925887"/>
         </p:xfrm>
         <a:graphic>
           <a:graphicData uri="http://schemas.openxmlformats.org/drawingml/2006/diagram">
